--- a/documents/Codefury_ClanOctate.pptx
+++ b/documents/Codefury_ClanOctate.pptx
@@ -8,15 +8,16 @@
     <p:notesMasterId r:id="rId4"/>
   </p:notesMasterIdLst>
   <p:handoutMasterIdLst>
-    <p:handoutMasterId r:id="rId10"/>
+    <p:handoutMasterId r:id="rId11"/>
   </p:handoutMasterIdLst>
   <p:sldIdLst>
     <p:sldId id="256" r:id="rId3"/>
     <p:sldId id="259" r:id="rId5"/>
     <p:sldId id="265" r:id="rId6"/>
     <p:sldId id="266" r:id="rId7"/>
-    <p:sldId id="267" r:id="rId8"/>
-    <p:sldId id="268" r:id="rId9"/>
+    <p:sldId id="269" r:id="rId8"/>
+    <p:sldId id="267" r:id="rId9"/>
+    <p:sldId id="268" r:id="rId10"/>
   </p:sldIdLst>
   <p:sldSz cx="12192000" cy="6858000"/>
   <p:notesSz cx="6858000" cy="9144000"/>
@@ -4000,7 +4001,15 @@
               </a:pPr>
               <a:r>
                 <a:rPr lang="en-US"/>
-                <a:t>The team, ClanOctate is composed of :-</a:t>
+                <a:t>The team for the project, named </a:t>
+              </a:r>
+              <a:r>
+                <a:rPr lang="en-US" i="1"/>
+                <a:t>ClanOctate</a:t>
+              </a:r>
+              <a:r>
+                <a:rPr lang="en-US"/>
+                <a:t> is composed of :-</a:t>
               </a:r>
               <a:endParaRPr lang="en-US"/>
             </a:p>
@@ -4461,6 +4470,32 @@
         <p:nvPr/>
       </p:nvGrpSpPr>
       <p:grpSpPr/>
+      <p:pic>
+        <p:nvPicPr>
+          <p:cNvPr id="3" name="Picture 2" descr="WhatsApp Image 2020-10-10 at 16.14.32"/>
+          <p:cNvPicPr>
+            <a:picLocks noChangeAspect="1"/>
+          </p:cNvPicPr>
+          <p:nvPr/>
+        </p:nvPicPr>
+        <p:blipFill>
+          <a:blip r:embed="rId1"/>
+          <a:srcRect l="11754" t="10414" r="13219" b="22398"/>
+          <a:stretch>
+            <a:fillRect/>
+          </a:stretch>
+        </p:blipFill>
+        <p:spPr>
+          <a:xfrm>
+            <a:off x="8006080" y="1098550"/>
+            <a:ext cx="3952240" cy="5461000"/>
+          </a:xfrm>
+          <a:prstGeom prst="rect">
+            <a:avLst/>
+          </a:prstGeom>
+          <a:noFill/>
+        </p:spPr>
+      </p:pic>
       <p:sp>
         <p:nvSpPr>
           <p:cNvPr id="8" name="Title 7"/>
@@ -4503,6 +4538,361 @@
               <a:t> </a:t>
             </a:r>
             <a:endParaRPr lang="en-US" sz="4000">
+              <a:latin typeface="+mn-lt"/>
+              <a:cs typeface="+mn-lt"/>
+            </a:endParaRPr>
+          </a:p>
+        </p:txBody>
+      </p:sp>
+      <p:sp>
+        <p:nvSpPr>
+          <p:cNvPr id="4" name="Slide Number Placeholder 3"/>
+          <p:cNvSpPr>
+            <a:spLocks noGrp="1"/>
+          </p:cNvSpPr>
+          <p:nvPr>
+            <p:ph type="sldNum" sz="quarter" idx="12"/>
+          </p:nvPr>
+        </p:nvSpPr>
+        <p:spPr/>
+        <p:txBody>
+          <a:bodyPr/>
+          <a:p>
+            <a:fld id="{9B618960-8005-486C-9A75-10CB2AAC16F9}" type="slidenum">
+              <a:rPr lang="en-US" smtClean="0"/>
+            </a:fld>
+            <a:endParaRPr lang="en-US"/>
+          </a:p>
+        </p:txBody>
+      </p:sp>
+      <p:grpSp>
+        <p:nvGrpSpPr>
+          <p:cNvPr id="11" name="Group 10"/>
+          <p:cNvGrpSpPr/>
+          <p:nvPr/>
+        </p:nvGrpSpPr>
+        <p:grpSpPr>
+          <a:xfrm>
+            <a:off x="141605" y="6362065"/>
+            <a:ext cx="3093085" cy="398780"/>
+            <a:chOff x="223" y="10019"/>
+            <a:chExt cx="4871" cy="628"/>
+          </a:xfrm>
+        </p:grpSpPr>
+        <p:pic>
+          <p:nvPicPr>
+            <p:cNvPr id="6" name="Picture 5" descr="hsbc"/>
+            <p:cNvPicPr>
+              <a:picLocks noChangeAspect="1"/>
+            </p:cNvPicPr>
+            <p:nvPr/>
+          </p:nvPicPr>
+          <p:blipFill>
+            <a:blip r:embed="rId2"/>
+            <a:srcRect l="62667" t="-675"/>
+            <a:stretch>
+              <a:fillRect/>
+            </a:stretch>
+          </p:blipFill>
+          <p:spPr>
+            <a:xfrm>
+              <a:off x="223" y="10097"/>
+              <a:ext cx="920" cy="473"/>
+            </a:xfrm>
+            <a:prstGeom prst="rect">
+              <a:avLst/>
+            </a:prstGeom>
+          </p:spPr>
+        </p:pic>
+        <p:sp>
+          <p:nvSpPr>
+            <p:cNvPr id="10" name="Text Box 9"/>
+            <p:cNvSpPr txBox="1"/>
+            <p:nvPr/>
+          </p:nvSpPr>
+          <p:spPr>
+            <a:xfrm>
+              <a:off x="1143" y="10019"/>
+              <a:ext cx="3951" cy="628"/>
+            </a:xfrm>
+            <a:prstGeom prst="rect">
+              <a:avLst/>
+            </a:prstGeom>
+            <a:noFill/>
+          </p:spPr>
+          <p:txBody>
+            <a:bodyPr wrap="square" rtlCol="0">
+              <a:spAutoFit/>
+            </a:bodyPr>
+            <a:p>
+              <a:r>
+                <a:rPr lang="en-US" sz="2000" b="1">
+                  <a:solidFill>
+                    <a:schemeClr val="tx1"/>
+                  </a:solidFill>
+                  <a:latin typeface="Carlito" panose="020F0502020204030204" charset="0"/>
+                  <a:cs typeface="Carlito" panose="020F0502020204030204" charset="0"/>
+                </a:rPr>
+                <a:t>HSBC</a:t>
+              </a:r>
+              <a:r>
+                <a:rPr lang="en-US" sz="2000">
+                  <a:solidFill>
+                    <a:schemeClr val="tx1"/>
+                  </a:solidFill>
+                  <a:latin typeface="Carlito" panose="020F0502020204030204" charset="0"/>
+                  <a:cs typeface="Carlito" panose="020F0502020204030204" charset="0"/>
+                </a:rPr>
+                <a:t> | Technology</a:t>
+              </a:r>
+              <a:endParaRPr lang="en-US" sz="2000">
+                <a:solidFill>
+                  <a:schemeClr val="tx1"/>
+                </a:solidFill>
+                <a:latin typeface="Carlito" panose="020F0502020204030204" charset="0"/>
+                <a:cs typeface="Carlito" panose="020F0502020204030204" charset="0"/>
+              </a:endParaRPr>
+            </a:p>
+          </p:txBody>
+        </p:sp>
+      </p:grpSp>
+      <p:cxnSp>
+        <p:nvCxnSpPr>
+          <p:cNvPr id="5" name="Straight Connector 4"/>
+          <p:cNvCxnSpPr/>
+          <p:nvPr/>
+        </p:nvCxnSpPr>
+        <p:spPr>
+          <a:xfrm flipV="1">
+            <a:off x="584835" y="1052830"/>
+            <a:ext cx="10872470" cy="45720"/>
+          </a:xfrm>
+          <a:prstGeom prst="line">
+            <a:avLst/>
+          </a:prstGeom>
+          <a:ln w="12700" cmpd="sng">
+            <a:solidFill>
+              <a:srgbClr val="3B7AA6"/>
+            </a:solidFill>
+            <a:prstDash val="solid"/>
+          </a:ln>
+        </p:spPr>
+        <p:style>
+          <a:lnRef idx="1">
+            <a:schemeClr val="accent1"/>
+          </a:lnRef>
+          <a:fillRef idx="0">
+            <a:schemeClr val="accent1"/>
+          </a:fillRef>
+          <a:effectRef idx="0">
+            <a:schemeClr val="accent1"/>
+          </a:effectRef>
+          <a:fontRef idx="minor">
+            <a:schemeClr val="tx1"/>
+          </a:fontRef>
+        </p:style>
+      </p:cxnSp>
+      <p:sp>
+        <p:nvSpPr>
+          <p:cNvPr id="12" name="Text Box 11"/>
+          <p:cNvSpPr txBox="1"/>
+          <p:nvPr/>
+        </p:nvSpPr>
+        <p:spPr>
+          <a:xfrm>
+            <a:off x="725170" y="1172845"/>
+            <a:ext cx="7280910" cy="4939030"/>
+          </a:xfrm>
+          <a:prstGeom prst="rect">
+            <a:avLst/>
+          </a:prstGeom>
+          <a:noFill/>
+        </p:spPr>
+        <p:txBody>
+          <a:bodyPr wrap="square" rtlCol="0">
+            <a:spAutoFit/>
+          </a:bodyPr>
+          <a:p>
+            <a:pPr>
+              <a:lnSpc>
+                <a:spcPct val="125000"/>
+              </a:lnSpc>
+              <a:spcBef>
+                <a:spcPts val="0"/>
+              </a:spcBef>
+              <a:spcAft>
+                <a:spcPts val="0"/>
+              </a:spcAft>
+            </a:pPr>
+            <a:r>
+              <a:rPr lang="en-US"/>
+              <a:t>The application designed in the project, automates the procedure of booking a meeting room in a company where emloyees can search and book a meeting room based on their requirements.</a:t>
+            </a:r>
+            <a:endParaRPr lang="en-US"/>
+          </a:p>
+          <a:p>
+            <a:pPr>
+              <a:lnSpc>
+                <a:spcPct val="125000"/>
+              </a:lnSpc>
+              <a:spcBef>
+                <a:spcPts val="0"/>
+              </a:spcBef>
+              <a:spcAft>
+                <a:spcPts val="0"/>
+              </a:spcAft>
+            </a:pPr>
+            <a:endParaRPr lang="en-US"/>
+          </a:p>
+          <a:p>
+            <a:pPr>
+              <a:lnSpc>
+                <a:spcPct val="125000"/>
+              </a:lnSpc>
+            </a:pPr>
+            <a:r>
+              <a:rPr lang="en-US"/>
+              <a:t>Depending on the role of the employee in the company, the employee can perform various functions (as shown beside) on the application.</a:t>
+            </a:r>
+            <a:endParaRPr lang="en-US"/>
+          </a:p>
+          <a:p>
+            <a:pPr indent="0">
+              <a:lnSpc>
+                <a:spcPct val="125000"/>
+              </a:lnSpc>
+              <a:buFont typeface="Wingdings" panose="05000000000000000000" charset="0"/>
+              <a:buNone/>
+            </a:pPr>
+            <a:endParaRPr lang="en-US"/>
+          </a:p>
+          <a:p>
+            <a:pPr indent="0">
+              <a:lnSpc>
+                <a:spcPct val="125000"/>
+              </a:lnSpc>
+              <a:buFont typeface="Wingdings" panose="05000000000000000000" charset="0"/>
+              <a:buNone/>
+            </a:pPr>
+            <a:r>
+              <a:rPr lang="en-US"/>
+              <a:t>Key points :-</a:t>
+            </a:r>
+            <a:endParaRPr lang="en-US"/>
+          </a:p>
+          <a:p>
+            <a:pPr marL="285750" indent="-285750">
+              <a:lnSpc>
+                <a:spcPct val="125000"/>
+              </a:lnSpc>
+              <a:buFont typeface="Wingdings" panose="05000000000000000000" charset="0"/>
+              <a:buChar char="§"/>
+            </a:pPr>
+            <a:r>
+              <a:rPr lang="en-US"/>
+              <a:t>The application uses MySql RDBMS server to store all the business data.</a:t>
+            </a:r>
+            <a:endParaRPr lang="en-US"/>
+          </a:p>
+          <a:p>
+            <a:pPr marL="285750" indent="-285750">
+              <a:lnSpc>
+                <a:spcPct val="125000"/>
+              </a:lnSpc>
+              <a:buFont typeface="Wingdings" panose="05000000000000000000" charset="0"/>
+              <a:buChar char="§"/>
+            </a:pPr>
+            <a:r>
+              <a:rPr lang="en-US"/>
+              <a:t>The application uses a layered architecture and thus it helps to build loosly coupled systems.</a:t>
+            </a:r>
+            <a:endParaRPr lang="en-US"/>
+          </a:p>
+          <a:p>
+            <a:pPr marL="285750" indent="-285750">
+              <a:lnSpc>
+                <a:spcPct val="125000"/>
+              </a:lnSpc>
+              <a:buFont typeface="Wingdings" panose="05000000000000000000" charset="0"/>
+              <a:buChar char="§"/>
+            </a:pPr>
+            <a:r>
+              <a:rPr lang="en-US"/>
+              <a:t>The web application is based on MVC design pattern and it isolates the application logic from the user interface layer and supports separation of concerns.</a:t>
+            </a:r>
+            <a:endParaRPr lang="en-US"/>
+          </a:p>
+        </p:txBody>
+      </p:sp>
+    </p:spTree>
+  </p:cSld>
+  <p:clrMapOvr>
+    <a:masterClrMapping/>
+  </p:clrMapOvr>
+</p:sld>
+</file>
+
+<file path=ppt/slides/slide4.xml><?xml version="1.0" encoding="utf-8"?>
+<p:sld xmlns:a="http://schemas.openxmlformats.org/drawingml/2006/main" xmlns:r="http://schemas.openxmlformats.org/officeDocument/2006/relationships" xmlns:p="http://schemas.openxmlformats.org/presentationml/2006/main">
+  <p:cSld>
+    <p:bg>
+      <p:bgPr>
+        <a:solidFill>
+          <a:schemeClr val="bg1">
+            <a:alpha val="0"/>
+          </a:schemeClr>
+        </a:solidFill>
+        <a:effectLst/>
+      </p:bgPr>
+    </p:bg>
+    <p:spTree>
+      <p:nvGrpSpPr>
+        <p:cNvPr id="1" name=""/>
+        <p:cNvGrpSpPr/>
+        <p:nvPr/>
+      </p:nvGrpSpPr>
+      <p:grpSpPr/>
+      <p:sp>
+        <p:nvSpPr>
+          <p:cNvPr id="8" name="Title 7"/>
+          <p:cNvSpPr>
+            <a:spLocks noGrp="1"/>
+          </p:cNvSpPr>
+          <p:nvPr>
+            <p:ph type="title"/>
+          </p:nvPr>
+        </p:nvSpPr>
+        <p:spPr>
+          <a:xfrm>
+            <a:off x="725805" y="453390"/>
+            <a:ext cx="10515600" cy="599440"/>
+          </a:xfrm>
+        </p:spPr>
+        <p:txBody>
+          <a:bodyPr>
+            <a:normAutofit fontScale="90000"/>
+          </a:bodyPr>
+          <a:p>
+            <a:r>
+              <a:rPr lang="en-US" sz="4000">
+                <a:solidFill>
+                  <a:schemeClr val="tx1">
+                    <a:lumMod val="65000"/>
+                    <a:lumOff val="35000"/>
+                  </a:schemeClr>
+                </a:solidFill>
+                <a:latin typeface="+mn-lt"/>
+                <a:cs typeface="+mn-lt"/>
+              </a:rPr>
+              <a:t>UI Snapshots </a:t>
+            </a:r>
+            <a:endParaRPr lang="en-US" sz="4000">
+              <a:solidFill>
+                <a:schemeClr val="tx1">
+                  <a:lumMod val="65000"/>
+                  <a:lumOff val="35000"/>
+                </a:schemeClr>
+              </a:solidFill>
               <a:latin typeface="+mn-lt"/>
               <a:cs typeface="+mn-lt"/>
             </a:endParaRPr>
@@ -4657,40 +5047,79 @@
           </a:fontRef>
         </p:style>
       </p:cxnSp>
-      <p:sp>
-        <p:nvSpPr>
-          <p:cNvPr id="12" name="Text Box 11"/>
-          <p:cNvSpPr txBox="1"/>
+      <p:pic>
+        <p:nvPicPr>
+          <p:cNvPr id="3" name="Picture 2"/>
+          <p:cNvPicPr>
+            <a:picLocks noChangeAspect="1"/>
+          </p:cNvPicPr>
           <p:nvPr/>
-        </p:nvSpPr>
+        </p:nvPicPr>
+        <p:blipFill>
+          <a:blip r:embed="rId2"/>
+          <a:stretch>
+            <a:fillRect/>
+          </a:stretch>
+        </p:blipFill>
         <p:spPr>
           <a:xfrm>
-            <a:off x="717550" y="1363980"/>
-            <a:ext cx="10532110" cy="506730"/>
+            <a:off x="584835" y="1185545"/>
+            <a:ext cx="5335905" cy="3093085"/>
           </a:xfrm>
           <a:prstGeom prst="rect">
             <a:avLst/>
           </a:prstGeom>
-          <a:noFill/>
         </p:spPr>
-        <p:txBody>
-          <a:bodyPr wrap="square" rtlCol="0">
-            <a:spAutoFit/>
-          </a:bodyPr>
-          <a:p>
-            <a:pPr>
-              <a:lnSpc>
-                <a:spcPct val="150000"/>
-              </a:lnSpc>
-            </a:pPr>
-            <a:r>
-              <a:rPr lang="en-US"/>
-              <a:t>To add</a:t>
-            </a:r>
-            <a:endParaRPr lang="en-US"/>
-          </a:p>
-        </p:txBody>
-      </p:sp>
+      </p:pic>
+      <p:pic>
+        <p:nvPicPr>
+          <p:cNvPr id="7" name="Picture 6"/>
+          <p:cNvPicPr>
+            <a:picLocks noChangeAspect="1"/>
+          </p:cNvPicPr>
+          <p:nvPr/>
+        </p:nvPicPr>
+        <p:blipFill>
+          <a:blip r:embed="rId3"/>
+          <a:stretch>
+            <a:fillRect/>
+          </a:stretch>
+        </p:blipFill>
+        <p:spPr>
+          <a:xfrm>
+            <a:off x="6723380" y="1188720"/>
+            <a:ext cx="4699000" cy="4120515"/>
+          </a:xfrm>
+          <a:prstGeom prst="rect">
+            <a:avLst/>
+          </a:prstGeom>
+        </p:spPr>
+      </p:pic>
+      <p:pic>
+        <p:nvPicPr>
+          <p:cNvPr id="9" name="Picture 8"/>
+          <p:cNvPicPr>
+            <a:picLocks noChangeAspect="1"/>
+          </p:cNvPicPr>
+          <p:nvPr/>
+        </p:nvPicPr>
+        <p:blipFill>
+          <a:blip r:embed="rId4"/>
+          <a:srcRect l="12556" t="18953" r="15608" b="23037"/>
+          <a:stretch>
+            <a:fillRect/>
+          </a:stretch>
+        </p:blipFill>
+        <p:spPr>
+          <a:xfrm>
+            <a:off x="1710055" y="4424045"/>
+            <a:ext cx="3171825" cy="1884680"/>
+          </a:xfrm>
+          <a:prstGeom prst="rect">
+            <a:avLst/>
+          </a:prstGeom>
+        </p:spPr>
+      </p:pic>
     </p:spTree>
   </p:cSld>
   <p:clrMapOvr>
@@ -4699,7 +5128,7 @@
 </p:sld>
 </file>
 
-<file path=ppt/slides/slide4.xml><?xml version="1.0" encoding="utf-8"?>
+<file path=ppt/slides/slide5.xml><?xml version="1.0" encoding="utf-8"?>
 <p:sld xmlns:a="http://schemas.openxmlformats.org/drawingml/2006/main" xmlns:r="http://schemas.openxmlformats.org/officeDocument/2006/relationships" xmlns:p="http://schemas.openxmlformats.org/presentationml/2006/main">
   <p:cSld>
     <p:bg>
@@ -4751,7 +5180,7 @@
                 <a:latin typeface="+mn-lt"/>
                 <a:cs typeface="+mn-lt"/>
               </a:rPr>
-              <a:t>UI Snapshots </a:t>
+              <a:t>UI Snapshots continued...</a:t>
             </a:r>
             <a:endParaRPr lang="en-US" sz="4000">
               <a:solidFill>
@@ -4914,40 +5343,55 @@
           </a:fontRef>
         </p:style>
       </p:cxnSp>
-      <p:sp>
-        <p:nvSpPr>
-          <p:cNvPr id="2" name="Text Box 1"/>
-          <p:cNvSpPr txBox="1"/>
+      <p:pic>
+        <p:nvPicPr>
+          <p:cNvPr id="9" name="Picture 8"/>
+          <p:cNvPicPr>
+            <a:picLocks noChangeAspect="1"/>
+          </p:cNvPicPr>
           <p:nvPr/>
-        </p:nvSpPr>
+        </p:nvPicPr>
+        <p:blipFill>
+          <a:blip r:embed="rId2"/>
+          <a:srcRect l="5412" b="17233"/>
+          <a:stretch>
+            <a:fillRect/>
+          </a:stretch>
+        </p:blipFill>
         <p:spPr>
           <a:xfrm>
-            <a:off x="717550" y="1363980"/>
-            <a:ext cx="10532110" cy="506730"/>
+            <a:off x="368935" y="1241425"/>
+            <a:ext cx="6304280" cy="2571115"/>
           </a:xfrm>
           <a:prstGeom prst="rect">
             <a:avLst/>
           </a:prstGeom>
-          <a:noFill/>
         </p:spPr>
-        <p:txBody>
-          <a:bodyPr wrap="square" rtlCol="0">
-            <a:spAutoFit/>
-          </a:bodyPr>
-          <a:p>
-            <a:pPr>
-              <a:lnSpc>
-                <a:spcPct val="150000"/>
-              </a:lnSpc>
-            </a:pPr>
-            <a:r>
-              <a:rPr lang="en-US"/>
-              <a:t>To add</a:t>
-            </a:r>
-            <a:endParaRPr lang="en-US"/>
-          </a:p>
-        </p:txBody>
-      </p:sp>
+      </p:pic>
+      <p:pic>
+        <p:nvPicPr>
+          <p:cNvPr id="12" name="Picture 11"/>
+          <p:cNvPicPr>
+            <a:picLocks noChangeAspect="1"/>
+          </p:cNvPicPr>
+          <p:nvPr/>
+        </p:nvPicPr>
+        <p:blipFill>
+          <a:blip r:embed="rId3"/>
+          <a:stretch>
+            <a:fillRect/>
+          </a:stretch>
+        </p:blipFill>
+        <p:spPr>
+          <a:xfrm>
+            <a:off x="6813550" y="1167130"/>
+            <a:ext cx="5080000" cy="3810000"/>
+          </a:xfrm>
+          <a:prstGeom prst="rect">
+            <a:avLst/>
+          </a:prstGeom>
+        </p:spPr>
+      </p:pic>
     </p:spTree>
   </p:cSld>
   <p:clrMapOvr>
@@ -4956,7 +5400,7 @@
 </p:sld>
 </file>
 
-<file path=ppt/slides/slide5.xml><?xml version="1.0" encoding="utf-8"?>
+<file path=ppt/slides/slide6.xml><?xml version="1.0" encoding="utf-8"?>
 <p:sld xmlns:a="http://schemas.openxmlformats.org/drawingml/2006/main" xmlns:r="http://schemas.openxmlformats.org/officeDocument/2006/relationships" xmlns:p="http://schemas.openxmlformats.org/presentationml/2006/main">
   <p:cSld>
     <p:bg>
@@ -4976,6 +5420,92 @@
         <p:nvPr/>
       </p:nvGrpSpPr>
       <p:grpSpPr/>
+      <p:grpSp>
+        <p:nvGrpSpPr>
+          <p:cNvPr id="18" name="Group 17"/>
+          <p:cNvGrpSpPr/>
+          <p:nvPr/>
+        </p:nvGrpSpPr>
+        <p:grpSpPr>
+          <a:xfrm>
+            <a:off x="584835" y="1098550"/>
+            <a:ext cx="10935970" cy="5205730"/>
+            <a:chOff x="921" y="1730"/>
+            <a:chExt cx="17222" cy="8198"/>
+          </a:xfrm>
+        </p:grpSpPr>
+        <p:pic>
+          <p:nvPicPr>
+            <p:cNvPr id="13" name="Picture 12"/>
+            <p:cNvPicPr>
+              <a:picLocks noChangeAspect="1"/>
+            </p:cNvPicPr>
+            <p:nvPr/>
+          </p:nvPicPr>
+          <p:blipFill>
+            <a:blip r:embed="rId1"/>
+            <a:stretch>
+              <a:fillRect/>
+            </a:stretch>
+          </p:blipFill>
+          <p:spPr>
+            <a:xfrm>
+              <a:off x="921" y="1730"/>
+              <a:ext cx="17222" cy="8198"/>
+            </a:xfrm>
+            <a:prstGeom prst="rect">
+              <a:avLst/>
+            </a:prstGeom>
+          </p:spPr>
+        </p:pic>
+        <p:sp>
+          <p:nvSpPr>
+            <p:cNvPr id="17" name="Rectangles 16"/>
+            <p:cNvSpPr/>
+            <p:nvPr/>
+          </p:nvSpPr>
+          <p:spPr>
+            <a:xfrm>
+              <a:off x="2149" y="2092"/>
+              <a:ext cx="14500" cy="7282"/>
+            </a:xfrm>
+            <a:prstGeom prst="rect">
+              <a:avLst/>
+            </a:prstGeom>
+            <a:solidFill>
+              <a:schemeClr val="bg1">
+                <a:alpha val="81000"/>
+              </a:schemeClr>
+            </a:solidFill>
+            <a:ln>
+              <a:noFill/>
+            </a:ln>
+          </p:spPr>
+          <p:style>
+            <a:lnRef idx="2">
+              <a:schemeClr val="accent1">
+                <a:shade val="50000"/>
+              </a:schemeClr>
+            </a:lnRef>
+            <a:fillRef idx="1">
+              <a:schemeClr val="accent1"/>
+            </a:fillRef>
+            <a:effectRef idx="0">
+              <a:schemeClr val="accent1"/>
+            </a:effectRef>
+            <a:fontRef idx="minor">
+              <a:schemeClr val="lt1"/>
+            </a:fontRef>
+          </p:style>
+          <p:txBody>
+            <a:bodyPr rtlCol="0" anchor="ctr"/>
+            <a:p>
+              <a:pPr algn="ctr"/>
+              <a:endParaRPr lang="en-US"/>
+            </a:p>
+          </p:txBody>
+        </p:sp>
+      </p:grpSp>
       <p:sp>
         <p:nvSpPr>
           <p:cNvPr id="8" name="Title 7"/>
@@ -5067,7 +5597,7 @@
             <p:nvPr/>
           </p:nvPicPr>
           <p:blipFill>
-            <a:blip r:embed="rId1"/>
+            <a:blip r:embed="rId2"/>
             <a:srcRect l="62667" t="-675"/>
             <a:stretch>
               <a:fillRect/>
@@ -5179,8 +5709,8 @@
         </p:nvSpPr>
         <p:spPr>
           <a:xfrm>
-            <a:off x="717550" y="1363980"/>
-            <a:ext cx="10532110" cy="506730"/>
+            <a:off x="725805" y="1184275"/>
+            <a:ext cx="10532110" cy="1476375"/>
           </a:xfrm>
           <a:prstGeom prst="rect">
             <a:avLst/>
@@ -5194,12 +5724,136 @@
           <a:p>
             <a:pPr>
               <a:lnSpc>
-                <a:spcPct val="150000"/>
+                <a:spcPct val="125000"/>
               </a:lnSpc>
+              <a:spcBef>
+                <a:spcPts val="0"/>
+              </a:spcBef>
+              <a:spcAft>
+                <a:spcPts val="0"/>
+              </a:spcAft>
             </a:pPr>
             <a:r>
               <a:rPr lang="en-US"/>
-              <a:t>To add</a:t>
+              <a:t>The modern workplace thrives on collaboration, and with collaboration comes meeting. Video meetings and conference calls can be a hassle for the modern workplace if there is no proper managed meeting room that supports the plethora of smart technologies the modern worker uses - laptops, wifi connection, whiteboard, TV and high-definition video conference call with several attendees, that can bee booked conveniently.</a:t>
+            </a:r>
+            <a:endParaRPr lang="en-US"/>
+          </a:p>
+        </p:txBody>
+      </p:sp>
+      <p:sp>
+        <p:nvSpPr>
+          <p:cNvPr id="3" name="Text Box 2"/>
+          <p:cNvSpPr txBox="1"/>
+          <p:nvPr/>
+        </p:nvSpPr>
+        <p:spPr>
+          <a:xfrm>
+            <a:off x="725805" y="2814320"/>
+            <a:ext cx="10232390" cy="3138170"/>
+          </a:xfrm>
+          <a:prstGeom prst="rect">
+            <a:avLst/>
+          </a:prstGeom>
+          <a:noFill/>
+        </p:spPr>
+        <p:txBody>
+          <a:bodyPr wrap="square" rtlCol="0">
+            <a:spAutoFit/>
+          </a:bodyPr>
+          <a:p>
+            <a:r>
+              <a:rPr lang="en-US"/>
+              <a:t>While developing and designing the solution for the above problem, through our application, our team learnt a lot in the process.</a:t>
+            </a:r>
+            <a:endParaRPr lang="en-US"/>
+          </a:p>
+          <a:p>
+            <a:pPr marL="285750" indent="-285750">
+              <a:buFont typeface="Wingdings" panose="05000000000000000000" charset="0"/>
+              <a:buChar char="v"/>
+            </a:pPr>
+            <a:r>
+              <a:rPr lang="en-US" b="1" i="1"/>
+              <a:t>Collaboration</a:t>
+            </a:r>
+            <a:r>
+              <a:rPr lang="en-US"/>
+              <a:t> - the team learnt to plan, coordinate, control and monitor the project during entire time span of development.</a:t>
+            </a:r>
+            <a:endParaRPr lang="en-US"/>
+          </a:p>
+          <a:p>
+            <a:pPr marL="285750" indent="-285750">
+              <a:buFont typeface="Wingdings" panose="05000000000000000000" charset="0"/>
+              <a:buChar char="v"/>
+            </a:pPr>
+            <a:r>
+              <a:rPr lang="en-US" b="1" i="1"/>
+              <a:t>Time Management </a:t>
+            </a:r>
+            <a:r>
+              <a:rPr lang="en-US"/>
+              <a:t>- the team learnt to efficiently use time and lay emphasis on complex  parts.</a:t>
+            </a:r>
+            <a:endParaRPr lang="en-US" b="1" i="1"/>
+          </a:p>
+          <a:p>
+            <a:pPr marL="285750" indent="-285750">
+              <a:buFont typeface="Wingdings" panose="05000000000000000000" charset="0"/>
+              <a:buChar char="v"/>
+            </a:pPr>
+            <a:r>
+              <a:rPr lang="en-US" b="1" i="1"/>
+              <a:t>Technological  tools &amp; concepts</a:t>
+            </a:r>
+            <a:r>
+              <a:rPr lang="en-US"/>
+              <a:t> - the team learnt about the following :-</a:t>
+            </a:r>
+            <a:endParaRPr lang="en-US"/>
+          </a:p>
+          <a:p>
+            <a:pPr marL="742950" lvl="1" indent="-285750">
+              <a:buFont typeface="Arial" panose="020B0604020202020204" pitchFamily="34" charset="0"/>
+              <a:buChar char="•"/>
+            </a:pPr>
+            <a:r>
+              <a:rPr lang="en-US"/>
+              <a:t>proper use of layered architecture to develop the solution.</a:t>
+            </a:r>
+            <a:endParaRPr lang="en-US"/>
+          </a:p>
+          <a:p>
+            <a:pPr marL="742950" lvl="1" indent="-285750">
+              <a:buFont typeface="Arial" panose="020B0604020202020204" pitchFamily="34" charset="0"/>
+              <a:buChar char="•"/>
+            </a:pPr>
+            <a:r>
+              <a:rPr lang="en-US"/>
+              <a:t>use of database to store the business data.</a:t>
+            </a:r>
+            <a:endParaRPr lang="en-US"/>
+          </a:p>
+          <a:p>
+            <a:pPr marL="742950" lvl="1" indent="-285750">
+              <a:buFont typeface="Arial" panose="020B0604020202020204" pitchFamily="34" charset="0"/>
+              <a:buChar char="•"/>
+            </a:pPr>
+            <a:r>
+              <a:rPr lang="en-US"/>
+              <a:t>deeper knowledge of theoretical concepts through active exploration of real world problem (as specified above).</a:t>
+            </a:r>
+            <a:endParaRPr lang="en-US"/>
+          </a:p>
+          <a:p>
+            <a:pPr marL="742950" lvl="1" indent="-285750">
+              <a:buFont typeface="Arial" panose="020B0604020202020204" pitchFamily="34" charset="0"/>
+              <a:buChar char="•"/>
+            </a:pPr>
+            <a:r>
+              <a:rPr lang="en-US"/>
+              <a:t>etc.</a:t>
             </a:r>
             <a:endParaRPr lang="en-US"/>
           </a:p>
@@ -5213,7 +5867,7 @@
 </p:sld>
 </file>
 
-<file path=ppt/slides/slide6.xml><?xml version="1.0" encoding="utf-8"?>
+<file path=ppt/slides/slide7.xml><?xml version="1.0" encoding="utf-8"?>
 <p:sld xmlns:a="http://schemas.openxmlformats.org/drawingml/2006/main" xmlns:r="http://schemas.openxmlformats.org/officeDocument/2006/relationships" xmlns:p="http://schemas.openxmlformats.org/presentationml/2006/main">
   <p:cSld>
     <p:bg>

--- a/documents/Codefury_ClanOctate.pptx
+++ b/documents/Codefury_ClanOctate.pptx
@@ -4472,6 +4472,77 @@
       <p:grpSpPr/>
       <p:pic>
         <p:nvPicPr>
+          <p:cNvPr id="9" name="Picture 8"/>
+          <p:cNvPicPr>
+            <a:picLocks noChangeAspect="1"/>
+          </p:cNvPicPr>
+          <p:nvPr/>
+        </p:nvPicPr>
+        <p:blipFill>
+          <a:blip r:embed="rId1"/>
+          <a:stretch>
+            <a:fillRect/>
+          </a:stretch>
+        </p:blipFill>
+        <p:spPr>
+          <a:xfrm>
+            <a:off x="725805" y="1172210"/>
+            <a:ext cx="6859905" cy="5184140"/>
+          </a:xfrm>
+          <a:prstGeom prst="rect">
+            <a:avLst/>
+          </a:prstGeom>
+        </p:spPr>
+      </p:pic>
+      <p:sp>
+        <p:nvSpPr>
+          <p:cNvPr id="14" name="Rectangles 13"/>
+          <p:cNvSpPr/>
+          <p:nvPr/>
+        </p:nvSpPr>
+        <p:spPr>
+          <a:xfrm>
+            <a:off x="893445" y="1247140"/>
+            <a:ext cx="6523355" cy="5034915"/>
+          </a:xfrm>
+          <a:prstGeom prst="rect">
+            <a:avLst/>
+          </a:prstGeom>
+          <a:solidFill>
+            <a:schemeClr val="bg1">
+              <a:alpha val="72000"/>
+            </a:schemeClr>
+          </a:solidFill>
+          <a:ln>
+            <a:noFill/>
+          </a:ln>
+        </p:spPr>
+        <p:style>
+          <a:lnRef idx="2">
+            <a:schemeClr val="accent1">
+              <a:shade val="50000"/>
+            </a:schemeClr>
+          </a:lnRef>
+          <a:fillRef idx="1">
+            <a:schemeClr val="accent1"/>
+          </a:fillRef>
+          <a:effectRef idx="0">
+            <a:schemeClr val="accent1"/>
+          </a:effectRef>
+          <a:fontRef idx="minor">
+            <a:schemeClr val="lt1"/>
+          </a:fontRef>
+        </p:style>
+        <p:txBody>
+          <a:bodyPr rtlCol="0" anchor="ctr"/>
+          <a:p>
+            <a:pPr algn="ctr"/>
+            <a:endParaRPr lang="en-US"/>
+          </a:p>
+        </p:txBody>
+      </p:sp>
+      <p:pic>
+        <p:nvPicPr>
           <p:cNvPr id="3" name="Picture 2" descr="WhatsApp Image 2020-10-10 at 16.14.32"/>
           <p:cNvPicPr>
             <a:picLocks noChangeAspect="1"/>
@@ -4479,7 +4550,7 @@
           <p:nvPr/>
         </p:nvPicPr>
         <p:blipFill>
-          <a:blip r:embed="rId1"/>
+          <a:blip r:embed="rId2"/>
           <a:srcRect l="11754" t="10414" r="13219" b="22398"/>
           <a:stretch>
             <a:fillRect/>
@@ -4538,6 +4609,1015 @@
               <a:t> </a:t>
             </a:r>
             <a:endParaRPr lang="en-US" sz="4000">
+              <a:latin typeface="+mn-lt"/>
+              <a:cs typeface="+mn-lt"/>
+            </a:endParaRPr>
+          </a:p>
+        </p:txBody>
+      </p:sp>
+      <p:sp>
+        <p:nvSpPr>
+          <p:cNvPr id="4" name="Slide Number Placeholder 3"/>
+          <p:cNvSpPr>
+            <a:spLocks noGrp="1"/>
+          </p:cNvSpPr>
+          <p:nvPr>
+            <p:ph type="sldNum" sz="quarter" idx="12"/>
+          </p:nvPr>
+        </p:nvSpPr>
+        <p:spPr/>
+        <p:txBody>
+          <a:bodyPr/>
+          <a:p>
+            <a:fld id="{9B618960-8005-486C-9A75-10CB2AAC16F9}" type="slidenum">
+              <a:rPr lang="en-US" smtClean="0"/>
+            </a:fld>
+            <a:endParaRPr lang="en-US"/>
+          </a:p>
+        </p:txBody>
+      </p:sp>
+      <p:grpSp>
+        <p:nvGrpSpPr>
+          <p:cNvPr id="11" name="Group 10"/>
+          <p:cNvGrpSpPr/>
+          <p:nvPr/>
+        </p:nvGrpSpPr>
+        <p:grpSpPr>
+          <a:xfrm>
+            <a:off x="141605" y="6362065"/>
+            <a:ext cx="3093085" cy="398780"/>
+            <a:chOff x="223" y="10019"/>
+            <a:chExt cx="4871" cy="628"/>
+          </a:xfrm>
+        </p:grpSpPr>
+        <p:pic>
+          <p:nvPicPr>
+            <p:cNvPr id="6" name="Picture 5" descr="hsbc"/>
+            <p:cNvPicPr>
+              <a:picLocks noChangeAspect="1"/>
+            </p:cNvPicPr>
+            <p:nvPr/>
+          </p:nvPicPr>
+          <p:blipFill>
+            <a:blip r:embed="rId3"/>
+            <a:srcRect l="62667" t="-675"/>
+            <a:stretch>
+              <a:fillRect/>
+            </a:stretch>
+          </p:blipFill>
+          <p:spPr>
+            <a:xfrm>
+              <a:off x="223" y="10097"/>
+              <a:ext cx="920" cy="473"/>
+            </a:xfrm>
+            <a:prstGeom prst="rect">
+              <a:avLst/>
+            </a:prstGeom>
+          </p:spPr>
+        </p:pic>
+        <p:sp>
+          <p:nvSpPr>
+            <p:cNvPr id="10" name="Text Box 9"/>
+            <p:cNvSpPr txBox="1"/>
+            <p:nvPr/>
+          </p:nvSpPr>
+          <p:spPr>
+            <a:xfrm>
+              <a:off x="1143" y="10019"/>
+              <a:ext cx="3951" cy="628"/>
+            </a:xfrm>
+            <a:prstGeom prst="rect">
+              <a:avLst/>
+            </a:prstGeom>
+            <a:noFill/>
+          </p:spPr>
+          <p:txBody>
+            <a:bodyPr wrap="square" rtlCol="0">
+              <a:spAutoFit/>
+            </a:bodyPr>
+            <a:p>
+              <a:r>
+                <a:rPr lang="en-US" sz="2000" b="1">
+                  <a:solidFill>
+                    <a:schemeClr val="tx1"/>
+                  </a:solidFill>
+                  <a:latin typeface="Carlito" panose="020F0502020204030204" charset="0"/>
+                  <a:cs typeface="Carlito" panose="020F0502020204030204" charset="0"/>
+                </a:rPr>
+                <a:t>HSBC</a:t>
+              </a:r>
+              <a:r>
+                <a:rPr lang="en-US" sz="2000">
+                  <a:solidFill>
+                    <a:schemeClr val="tx1"/>
+                  </a:solidFill>
+                  <a:latin typeface="Carlito" panose="020F0502020204030204" charset="0"/>
+                  <a:cs typeface="Carlito" panose="020F0502020204030204" charset="0"/>
+                </a:rPr>
+                <a:t> | Technology</a:t>
+              </a:r>
+              <a:endParaRPr lang="en-US" sz="2000">
+                <a:solidFill>
+                  <a:schemeClr val="tx1"/>
+                </a:solidFill>
+                <a:latin typeface="Carlito" panose="020F0502020204030204" charset="0"/>
+                <a:cs typeface="Carlito" panose="020F0502020204030204" charset="0"/>
+              </a:endParaRPr>
+            </a:p>
+          </p:txBody>
+        </p:sp>
+      </p:grpSp>
+      <p:cxnSp>
+        <p:nvCxnSpPr>
+          <p:cNvPr id="5" name="Straight Connector 4"/>
+          <p:cNvCxnSpPr/>
+          <p:nvPr/>
+        </p:nvCxnSpPr>
+        <p:spPr>
+          <a:xfrm flipV="1">
+            <a:off x="584835" y="1052830"/>
+            <a:ext cx="10872470" cy="45720"/>
+          </a:xfrm>
+          <a:prstGeom prst="line">
+            <a:avLst/>
+          </a:prstGeom>
+          <a:ln w="12700" cmpd="sng">
+            <a:solidFill>
+              <a:srgbClr val="3B7AA6"/>
+            </a:solidFill>
+            <a:prstDash val="solid"/>
+          </a:ln>
+        </p:spPr>
+        <p:style>
+          <a:lnRef idx="1">
+            <a:schemeClr val="accent1"/>
+          </a:lnRef>
+          <a:fillRef idx="0">
+            <a:schemeClr val="accent1"/>
+          </a:fillRef>
+          <a:effectRef idx="0">
+            <a:schemeClr val="accent1"/>
+          </a:effectRef>
+          <a:fontRef idx="minor">
+            <a:schemeClr val="tx1"/>
+          </a:fontRef>
+        </p:style>
+      </p:cxnSp>
+      <p:sp>
+        <p:nvSpPr>
+          <p:cNvPr id="12" name="Text Box 11"/>
+          <p:cNvSpPr txBox="1"/>
+          <p:nvPr/>
+        </p:nvSpPr>
+        <p:spPr>
+          <a:xfrm>
+            <a:off x="725170" y="1172845"/>
+            <a:ext cx="7280910" cy="4592320"/>
+          </a:xfrm>
+          <a:prstGeom prst="rect">
+            <a:avLst/>
+          </a:prstGeom>
+          <a:noFill/>
+        </p:spPr>
+        <p:txBody>
+          <a:bodyPr wrap="square" rtlCol="0">
+            <a:spAutoFit/>
+          </a:bodyPr>
+          <a:p>
+            <a:pPr>
+              <a:lnSpc>
+                <a:spcPct val="125000"/>
+              </a:lnSpc>
+              <a:spcBef>
+                <a:spcPts val="0"/>
+              </a:spcBef>
+              <a:spcAft>
+                <a:spcPts val="0"/>
+              </a:spcAft>
+            </a:pPr>
+            <a:r>
+              <a:rPr lang="en-US"/>
+              <a:t>The application designed in the project, automates the procedure of booking a meeting room in a company where emloyees can search and book a meeting room based on their requirements.</a:t>
+            </a:r>
+            <a:endParaRPr lang="en-US"/>
+          </a:p>
+          <a:p>
+            <a:pPr>
+              <a:lnSpc>
+                <a:spcPct val="125000"/>
+              </a:lnSpc>
+              <a:spcBef>
+                <a:spcPts val="0"/>
+              </a:spcBef>
+              <a:spcAft>
+                <a:spcPts val="0"/>
+              </a:spcAft>
+            </a:pPr>
+            <a:endParaRPr lang="en-US"/>
+          </a:p>
+          <a:p>
+            <a:pPr>
+              <a:lnSpc>
+                <a:spcPct val="125000"/>
+              </a:lnSpc>
+            </a:pPr>
+            <a:r>
+              <a:rPr lang="en-US"/>
+              <a:t>Depending on the role of the employee in the company, the employee can perform various functions (as shown beside) on the application.</a:t>
+            </a:r>
+            <a:endParaRPr lang="en-US"/>
+          </a:p>
+          <a:p>
+            <a:pPr indent="0">
+              <a:lnSpc>
+                <a:spcPct val="125000"/>
+              </a:lnSpc>
+              <a:buFont typeface="Wingdings" panose="05000000000000000000" charset="0"/>
+              <a:buNone/>
+            </a:pPr>
+            <a:endParaRPr lang="en-US"/>
+          </a:p>
+          <a:p>
+            <a:pPr indent="0">
+              <a:lnSpc>
+                <a:spcPct val="125000"/>
+              </a:lnSpc>
+              <a:buFont typeface="Wingdings" panose="05000000000000000000" charset="0"/>
+              <a:buNone/>
+            </a:pPr>
+            <a:r>
+              <a:rPr lang="en-US"/>
+              <a:t>Key points :-</a:t>
+            </a:r>
+            <a:endParaRPr lang="en-US"/>
+          </a:p>
+          <a:p>
+            <a:pPr marL="285750" indent="-285750">
+              <a:lnSpc>
+                <a:spcPct val="125000"/>
+              </a:lnSpc>
+              <a:buFont typeface="Wingdings" panose="05000000000000000000" charset="0"/>
+              <a:buChar char="§"/>
+            </a:pPr>
+            <a:r>
+              <a:rPr lang="en-US"/>
+              <a:t>The application is very simple and easy to use.</a:t>
+            </a:r>
+            <a:endParaRPr lang="en-US"/>
+          </a:p>
+          <a:p>
+            <a:pPr marL="285750" indent="-285750">
+              <a:lnSpc>
+                <a:spcPct val="125000"/>
+              </a:lnSpc>
+              <a:buFont typeface="Wingdings" panose="05000000000000000000" charset="0"/>
+              <a:buChar char="§"/>
+            </a:pPr>
+            <a:r>
+              <a:rPr lang="en-US"/>
+              <a:t>The application provides enough options to help the users easily navigate pages and thus provide a seamless experience.</a:t>
+            </a:r>
+            <a:endParaRPr lang="en-US"/>
+          </a:p>
+          <a:p>
+            <a:pPr marL="285750" indent="-285750">
+              <a:lnSpc>
+                <a:spcPct val="125000"/>
+              </a:lnSpc>
+              <a:buFont typeface="Wingdings" panose="05000000000000000000" charset="0"/>
+              <a:buChar char="§"/>
+            </a:pPr>
+            <a:r>
+              <a:rPr lang="en-US"/>
+              <a:t>The application provides a secure and reliable way to book a meeting room, keeping concern of the amenities required.</a:t>
+            </a:r>
+            <a:endParaRPr lang="en-US"/>
+          </a:p>
+        </p:txBody>
+      </p:sp>
+    </p:spTree>
+  </p:cSld>
+  <p:clrMapOvr>
+    <a:masterClrMapping/>
+  </p:clrMapOvr>
+</p:sld>
+</file>
+
+<file path=ppt/slides/slide4.xml><?xml version="1.0" encoding="utf-8"?>
+<p:sld xmlns:a="http://schemas.openxmlformats.org/drawingml/2006/main" xmlns:r="http://schemas.openxmlformats.org/officeDocument/2006/relationships" xmlns:p="http://schemas.openxmlformats.org/presentationml/2006/main">
+  <p:cSld>
+    <p:bg>
+      <p:bgPr>
+        <a:solidFill>
+          <a:schemeClr val="bg1">
+            <a:alpha val="0"/>
+          </a:schemeClr>
+        </a:solidFill>
+        <a:effectLst/>
+      </p:bgPr>
+    </p:bg>
+    <p:spTree>
+      <p:nvGrpSpPr>
+        <p:cNvPr id="1" name=""/>
+        <p:cNvGrpSpPr/>
+        <p:nvPr/>
+      </p:nvGrpSpPr>
+      <p:grpSpPr/>
+      <p:sp>
+        <p:nvSpPr>
+          <p:cNvPr id="8" name="Title 7"/>
+          <p:cNvSpPr>
+            <a:spLocks noGrp="1"/>
+          </p:cNvSpPr>
+          <p:nvPr>
+            <p:ph type="title"/>
+          </p:nvPr>
+        </p:nvSpPr>
+        <p:spPr>
+          <a:xfrm>
+            <a:off x="725805" y="453390"/>
+            <a:ext cx="10515600" cy="599440"/>
+          </a:xfrm>
+        </p:spPr>
+        <p:txBody>
+          <a:bodyPr>
+            <a:normAutofit fontScale="90000"/>
+          </a:bodyPr>
+          <a:p>
+            <a:r>
+              <a:rPr lang="en-US" sz="4000">
+                <a:solidFill>
+                  <a:schemeClr val="tx1">
+                    <a:lumMod val="65000"/>
+                    <a:lumOff val="35000"/>
+                  </a:schemeClr>
+                </a:solidFill>
+                <a:latin typeface="+mn-lt"/>
+                <a:cs typeface="+mn-lt"/>
+              </a:rPr>
+              <a:t>UI Snapshots </a:t>
+            </a:r>
+            <a:endParaRPr lang="en-US" sz="4000">
+              <a:solidFill>
+                <a:schemeClr val="tx1">
+                  <a:lumMod val="65000"/>
+                  <a:lumOff val="35000"/>
+                </a:schemeClr>
+              </a:solidFill>
+              <a:latin typeface="+mn-lt"/>
+              <a:cs typeface="+mn-lt"/>
+            </a:endParaRPr>
+          </a:p>
+        </p:txBody>
+      </p:sp>
+      <p:sp>
+        <p:nvSpPr>
+          <p:cNvPr id="4" name="Slide Number Placeholder 3"/>
+          <p:cNvSpPr>
+            <a:spLocks noGrp="1"/>
+          </p:cNvSpPr>
+          <p:nvPr>
+            <p:ph type="sldNum" sz="quarter" idx="12"/>
+          </p:nvPr>
+        </p:nvSpPr>
+        <p:spPr/>
+        <p:txBody>
+          <a:bodyPr/>
+          <a:p>
+            <a:fld id="{9B618960-8005-486C-9A75-10CB2AAC16F9}" type="slidenum">
+              <a:rPr lang="en-US" smtClean="0"/>
+            </a:fld>
+            <a:endParaRPr lang="en-US"/>
+          </a:p>
+        </p:txBody>
+      </p:sp>
+      <p:grpSp>
+        <p:nvGrpSpPr>
+          <p:cNvPr id="11" name="Group 10"/>
+          <p:cNvGrpSpPr/>
+          <p:nvPr/>
+        </p:nvGrpSpPr>
+        <p:grpSpPr>
+          <a:xfrm>
+            <a:off x="141605" y="6362065"/>
+            <a:ext cx="3093085" cy="398780"/>
+            <a:chOff x="223" y="10019"/>
+            <a:chExt cx="4871" cy="628"/>
+          </a:xfrm>
+        </p:grpSpPr>
+        <p:pic>
+          <p:nvPicPr>
+            <p:cNvPr id="6" name="Picture 5" descr="hsbc"/>
+            <p:cNvPicPr>
+              <a:picLocks noChangeAspect="1"/>
+            </p:cNvPicPr>
+            <p:nvPr/>
+          </p:nvPicPr>
+          <p:blipFill>
+            <a:blip r:embed="rId1"/>
+            <a:srcRect l="62667" t="-675"/>
+            <a:stretch>
+              <a:fillRect/>
+            </a:stretch>
+          </p:blipFill>
+          <p:spPr>
+            <a:xfrm>
+              <a:off x="223" y="10097"/>
+              <a:ext cx="920" cy="473"/>
+            </a:xfrm>
+            <a:prstGeom prst="rect">
+              <a:avLst/>
+            </a:prstGeom>
+          </p:spPr>
+        </p:pic>
+        <p:sp>
+          <p:nvSpPr>
+            <p:cNvPr id="10" name="Text Box 9"/>
+            <p:cNvSpPr txBox="1"/>
+            <p:nvPr/>
+          </p:nvSpPr>
+          <p:spPr>
+            <a:xfrm>
+              <a:off x="1143" y="10019"/>
+              <a:ext cx="3951" cy="628"/>
+            </a:xfrm>
+            <a:prstGeom prst="rect">
+              <a:avLst/>
+            </a:prstGeom>
+            <a:noFill/>
+          </p:spPr>
+          <p:txBody>
+            <a:bodyPr wrap="square" rtlCol="0">
+              <a:spAutoFit/>
+            </a:bodyPr>
+            <a:p>
+              <a:r>
+                <a:rPr lang="en-US" sz="2000" b="1">
+                  <a:solidFill>
+                    <a:schemeClr val="tx1"/>
+                  </a:solidFill>
+                  <a:latin typeface="Carlito" panose="020F0502020204030204" charset="0"/>
+                  <a:cs typeface="Carlito" panose="020F0502020204030204" charset="0"/>
+                </a:rPr>
+                <a:t>HSBC</a:t>
+              </a:r>
+              <a:r>
+                <a:rPr lang="en-US" sz="2000">
+                  <a:solidFill>
+                    <a:schemeClr val="tx1"/>
+                  </a:solidFill>
+                  <a:latin typeface="Carlito" panose="020F0502020204030204" charset="0"/>
+                  <a:cs typeface="Carlito" panose="020F0502020204030204" charset="0"/>
+                </a:rPr>
+                <a:t> | Technology</a:t>
+              </a:r>
+              <a:endParaRPr lang="en-US" sz="2000">
+                <a:solidFill>
+                  <a:schemeClr val="tx1"/>
+                </a:solidFill>
+                <a:latin typeface="Carlito" panose="020F0502020204030204" charset="0"/>
+                <a:cs typeface="Carlito" panose="020F0502020204030204" charset="0"/>
+              </a:endParaRPr>
+            </a:p>
+          </p:txBody>
+        </p:sp>
+      </p:grpSp>
+      <p:cxnSp>
+        <p:nvCxnSpPr>
+          <p:cNvPr id="5" name="Straight Connector 4"/>
+          <p:cNvCxnSpPr/>
+          <p:nvPr/>
+        </p:nvCxnSpPr>
+        <p:spPr>
+          <a:xfrm flipV="1">
+            <a:off x="584835" y="1052830"/>
+            <a:ext cx="10872470" cy="45720"/>
+          </a:xfrm>
+          <a:prstGeom prst="line">
+            <a:avLst/>
+          </a:prstGeom>
+          <a:ln w="12700" cmpd="sng">
+            <a:solidFill>
+              <a:srgbClr val="3B7AA6"/>
+            </a:solidFill>
+            <a:prstDash val="solid"/>
+          </a:ln>
+        </p:spPr>
+        <p:style>
+          <a:lnRef idx="1">
+            <a:schemeClr val="accent1"/>
+          </a:lnRef>
+          <a:fillRef idx="0">
+            <a:schemeClr val="accent1"/>
+          </a:fillRef>
+          <a:effectRef idx="0">
+            <a:schemeClr val="accent1"/>
+          </a:effectRef>
+          <a:fontRef idx="minor">
+            <a:schemeClr val="tx1"/>
+          </a:fontRef>
+        </p:style>
+      </p:cxnSp>
+      <p:pic>
+        <p:nvPicPr>
+          <p:cNvPr id="3" name="Picture 2"/>
+          <p:cNvPicPr>
+            <a:picLocks noChangeAspect="1"/>
+          </p:cNvPicPr>
+          <p:nvPr/>
+        </p:nvPicPr>
+        <p:blipFill>
+          <a:blip r:embed="rId2"/>
+          <a:stretch>
+            <a:fillRect/>
+          </a:stretch>
+        </p:blipFill>
+        <p:spPr>
+          <a:xfrm>
+            <a:off x="584835" y="1185545"/>
+            <a:ext cx="5335905" cy="3093085"/>
+          </a:xfrm>
+          <a:prstGeom prst="rect">
+            <a:avLst/>
+          </a:prstGeom>
+        </p:spPr>
+      </p:pic>
+      <p:pic>
+        <p:nvPicPr>
+          <p:cNvPr id="7" name="Picture 6"/>
+          <p:cNvPicPr>
+            <a:picLocks noChangeAspect="1"/>
+          </p:cNvPicPr>
+          <p:nvPr/>
+        </p:nvPicPr>
+        <p:blipFill>
+          <a:blip r:embed="rId3"/>
+          <a:stretch>
+            <a:fillRect/>
+          </a:stretch>
+        </p:blipFill>
+        <p:spPr>
+          <a:xfrm>
+            <a:off x="6723380" y="1188720"/>
+            <a:ext cx="4699000" cy="4120515"/>
+          </a:xfrm>
+          <a:prstGeom prst="rect">
+            <a:avLst/>
+          </a:prstGeom>
+        </p:spPr>
+      </p:pic>
+      <p:pic>
+        <p:nvPicPr>
+          <p:cNvPr id="9" name="Picture 8"/>
+          <p:cNvPicPr>
+            <a:picLocks noChangeAspect="1"/>
+          </p:cNvPicPr>
+          <p:nvPr/>
+        </p:nvPicPr>
+        <p:blipFill>
+          <a:blip r:embed="rId4"/>
+          <a:srcRect l="12556" t="18953" r="15608" b="32751"/>
+          <a:stretch>
+            <a:fillRect/>
+          </a:stretch>
+        </p:blipFill>
+        <p:spPr>
+          <a:xfrm>
+            <a:off x="1671955" y="4547870"/>
+            <a:ext cx="3171825" cy="1569085"/>
+          </a:xfrm>
+          <a:prstGeom prst="rect">
+            <a:avLst/>
+          </a:prstGeom>
+        </p:spPr>
+      </p:pic>
+    </p:spTree>
+  </p:cSld>
+  <p:clrMapOvr>
+    <a:masterClrMapping/>
+  </p:clrMapOvr>
+</p:sld>
+</file>
+
+<file path=ppt/slides/slide5.xml><?xml version="1.0" encoding="utf-8"?>
+<p:sld xmlns:a="http://schemas.openxmlformats.org/drawingml/2006/main" xmlns:r="http://schemas.openxmlformats.org/officeDocument/2006/relationships" xmlns:p="http://schemas.openxmlformats.org/presentationml/2006/main">
+  <p:cSld>
+    <p:bg>
+      <p:bgPr>
+        <a:solidFill>
+          <a:schemeClr val="bg1">
+            <a:alpha val="0"/>
+          </a:schemeClr>
+        </a:solidFill>
+        <a:effectLst/>
+      </p:bgPr>
+    </p:bg>
+    <p:spTree>
+      <p:nvGrpSpPr>
+        <p:cNvPr id="1" name=""/>
+        <p:cNvGrpSpPr/>
+        <p:nvPr/>
+      </p:nvGrpSpPr>
+      <p:grpSpPr/>
+      <p:sp>
+        <p:nvSpPr>
+          <p:cNvPr id="8" name="Title 7"/>
+          <p:cNvSpPr>
+            <a:spLocks noGrp="1"/>
+          </p:cNvSpPr>
+          <p:nvPr>
+            <p:ph type="title"/>
+          </p:nvPr>
+        </p:nvSpPr>
+        <p:spPr>
+          <a:xfrm>
+            <a:off x="725805" y="453390"/>
+            <a:ext cx="10515600" cy="599440"/>
+          </a:xfrm>
+        </p:spPr>
+        <p:txBody>
+          <a:bodyPr>
+            <a:normAutofit fontScale="90000"/>
+          </a:bodyPr>
+          <a:p>
+            <a:r>
+              <a:rPr lang="en-US" sz="4000">
+                <a:solidFill>
+                  <a:schemeClr val="tx1">
+                    <a:lumMod val="65000"/>
+                    <a:lumOff val="35000"/>
+                  </a:schemeClr>
+                </a:solidFill>
+                <a:latin typeface="+mn-lt"/>
+                <a:cs typeface="+mn-lt"/>
+              </a:rPr>
+              <a:t>UI Snapshots continued...</a:t>
+            </a:r>
+            <a:endParaRPr lang="en-US" sz="4000">
+              <a:solidFill>
+                <a:schemeClr val="tx1">
+                  <a:lumMod val="65000"/>
+                  <a:lumOff val="35000"/>
+                </a:schemeClr>
+              </a:solidFill>
+              <a:latin typeface="+mn-lt"/>
+              <a:cs typeface="+mn-lt"/>
+            </a:endParaRPr>
+          </a:p>
+        </p:txBody>
+      </p:sp>
+      <p:sp>
+        <p:nvSpPr>
+          <p:cNvPr id="4" name="Slide Number Placeholder 3"/>
+          <p:cNvSpPr>
+            <a:spLocks noGrp="1"/>
+          </p:cNvSpPr>
+          <p:nvPr>
+            <p:ph type="sldNum" sz="quarter" idx="12"/>
+          </p:nvPr>
+        </p:nvSpPr>
+        <p:spPr/>
+        <p:txBody>
+          <a:bodyPr/>
+          <a:p>
+            <a:fld id="{9B618960-8005-486C-9A75-10CB2AAC16F9}" type="slidenum">
+              <a:rPr lang="en-US" smtClean="0"/>
+            </a:fld>
+            <a:endParaRPr lang="en-US"/>
+          </a:p>
+        </p:txBody>
+      </p:sp>
+      <p:grpSp>
+        <p:nvGrpSpPr>
+          <p:cNvPr id="11" name="Group 10"/>
+          <p:cNvGrpSpPr/>
+          <p:nvPr/>
+        </p:nvGrpSpPr>
+        <p:grpSpPr>
+          <a:xfrm>
+            <a:off x="141605" y="6362065"/>
+            <a:ext cx="3093085" cy="398780"/>
+            <a:chOff x="223" y="10019"/>
+            <a:chExt cx="4871" cy="628"/>
+          </a:xfrm>
+        </p:grpSpPr>
+        <p:pic>
+          <p:nvPicPr>
+            <p:cNvPr id="6" name="Picture 5" descr="hsbc"/>
+            <p:cNvPicPr>
+              <a:picLocks noChangeAspect="1"/>
+            </p:cNvPicPr>
+            <p:nvPr/>
+          </p:nvPicPr>
+          <p:blipFill>
+            <a:blip r:embed="rId1"/>
+            <a:srcRect l="62667" t="-675"/>
+            <a:stretch>
+              <a:fillRect/>
+            </a:stretch>
+          </p:blipFill>
+          <p:spPr>
+            <a:xfrm>
+              <a:off x="223" y="10097"/>
+              <a:ext cx="920" cy="473"/>
+            </a:xfrm>
+            <a:prstGeom prst="rect">
+              <a:avLst/>
+            </a:prstGeom>
+          </p:spPr>
+        </p:pic>
+        <p:sp>
+          <p:nvSpPr>
+            <p:cNvPr id="10" name="Text Box 9"/>
+            <p:cNvSpPr txBox="1"/>
+            <p:nvPr/>
+          </p:nvSpPr>
+          <p:spPr>
+            <a:xfrm>
+              <a:off x="1143" y="10019"/>
+              <a:ext cx="3951" cy="628"/>
+            </a:xfrm>
+            <a:prstGeom prst="rect">
+              <a:avLst/>
+            </a:prstGeom>
+            <a:noFill/>
+          </p:spPr>
+          <p:txBody>
+            <a:bodyPr wrap="square" rtlCol="0">
+              <a:spAutoFit/>
+            </a:bodyPr>
+            <a:p>
+              <a:r>
+                <a:rPr lang="en-US" sz="2000" b="1">
+                  <a:solidFill>
+                    <a:schemeClr val="tx1"/>
+                  </a:solidFill>
+                  <a:latin typeface="Carlito" panose="020F0502020204030204" charset="0"/>
+                  <a:cs typeface="Carlito" panose="020F0502020204030204" charset="0"/>
+                </a:rPr>
+                <a:t>HSBC</a:t>
+              </a:r>
+              <a:r>
+                <a:rPr lang="en-US" sz="2000">
+                  <a:solidFill>
+                    <a:schemeClr val="tx1"/>
+                  </a:solidFill>
+                  <a:latin typeface="Carlito" panose="020F0502020204030204" charset="0"/>
+                  <a:cs typeface="Carlito" panose="020F0502020204030204" charset="0"/>
+                </a:rPr>
+                <a:t> | Technology</a:t>
+              </a:r>
+              <a:endParaRPr lang="en-US" sz="2000">
+                <a:solidFill>
+                  <a:schemeClr val="tx1"/>
+                </a:solidFill>
+                <a:latin typeface="Carlito" panose="020F0502020204030204" charset="0"/>
+                <a:cs typeface="Carlito" panose="020F0502020204030204" charset="0"/>
+              </a:endParaRPr>
+            </a:p>
+          </p:txBody>
+        </p:sp>
+      </p:grpSp>
+      <p:cxnSp>
+        <p:nvCxnSpPr>
+          <p:cNvPr id="5" name="Straight Connector 4"/>
+          <p:cNvCxnSpPr/>
+          <p:nvPr/>
+        </p:nvCxnSpPr>
+        <p:spPr>
+          <a:xfrm flipV="1">
+            <a:off x="584835" y="1052830"/>
+            <a:ext cx="10872470" cy="45720"/>
+          </a:xfrm>
+          <a:prstGeom prst="line">
+            <a:avLst/>
+          </a:prstGeom>
+          <a:ln w="12700" cmpd="sng">
+            <a:solidFill>
+              <a:srgbClr val="3B7AA6"/>
+            </a:solidFill>
+            <a:prstDash val="solid"/>
+          </a:ln>
+        </p:spPr>
+        <p:style>
+          <a:lnRef idx="1">
+            <a:schemeClr val="accent1"/>
+          </a:lnRef>
+          <a:fillRef idx="0">
+            <a:schemeClr val="accent1"/>
+          </a:fillRef>
+          <a:effectRef idx="0">
+            <a:schemeClr val="accent1"/>
+          </a:effectRef>
+          <a:fontRef idx="minor">
+            <a:schemeClr val="tx1"/>
+          </a:fontRef>
+        </p:style>
+      </p:cxnSp>
+      <p:pic>
+        <p:nvPicPr>
+          <p:cNvPr id="9" name="Picture 8"/>
+          <p:cNvPicPr>
+            <a:picLocks noChangeAspect="1"/>
+          </p:cNvPicPr>
+          <p:nvPr/>
+        </p:nvPicPr>
+        <p:blipFill>
+          <a:blip r:embed="rId2"/>
+          <a:srcRect l="5412" b="17233"/>
+          <a:stretch>
+            <a:fillRect/>
+          </a:stretch>
+        </p:blipFill>
+        <p:spPr>
+          <a:xfrm>
+            <a:off x="368935" y="1241425"/>
+            <a:ext cx="6304280" cy="2571115"/>
+          </a:xfrm>
+          <a:prstGeom prst="rect">
+            <a:avLst/>
+          </a:prstGeom>
+        </p:spPr>
+      </p:pic>
+      <p:pic>
+        <p:nvPicPr>
+          <p:cNvPr id="12" name="Picture 11"/>
+          <p:cNvPicPr>
+            <a:picLocks noChangeAspect="1"/>
+          </p:cNvPicPr>
+          <p:nvPr/>
+        </p:nvPicPr>
+        <p:blipFill>
+          <a:blip r:embed="rId3"/>
+          <a:stretch>
+            <a:fillRect/>
+          </a:stretch>
+        </p:blipFill>
+        <p:spPr>
+          <a:xfrm>
+            <a:off x="6813550" y="1252855"/>
+            <a:ext cx="5080000" cy="3810000"/>
+          </a:xfrm>
+          <a:prstGeom prst="rect">
+            <a:avLst/>
+          </a:prstGeom>
+        </p:spPr>
+      </p:pic>
+    </p:spTree>
+  </p:cSld>
+  <p:clrMapOvr>
+    <a:masterClrMapping/>
+  </p:clrMapOvr>
+</p:sld>
+</file>
+
+<file path=ppt/slides/slide6.xml><?xml version="1.0" encoding="utf-8"?>
+<p:sld xmlns:a="http://schemas.openxmlformats.org/drawingml/2006/main" xmlns:r="http://schemas.openxmlformats.org/officeDocument/2006/relationships" xmlns:p="http://schemas.openxmlformats.org/presentationml/2006/main">
+  <p:cSld>
+    <p:bg>
+      <p:bgPr>
+        <a:solidFill>
+          <a:schemeClr val="bg1">
+            <a:alpha val="0"/>
+          </a:schemeClr>
+        </a:solidFill>
+        <a:effectLst/>
+      </p:bgPr>
+    </p:bg>
+    <p:spTree>
+      <p:nvGrpSpPr>
+        <p:cNvPr id="1" name=""/>
+        <p:cNvGrpSpPr/>
+        <p:nvPr/>
+      </p:nvGrpSpPr>
+      <p:grpSpPr/>
+      <p:grpSp>
+        <p:nvGrpSpPr>
+          <p:cNvPr id="18" name="Group 17"/>
+          <p:cNvGrpSpPr/>
+          <p:nvPr/>
+        </p:nvGrpSpPr>
+        <p:grpSpPr>
+          <a:xfrm>
+            <a:off x="584835" y="1098550"/>
+            <a:ext cx="10935970" cy="5205730"/>
+            <a:chOff x="921" y="1730"/>
+            <a:chExt cx="17222" cy="8198"/>
+          </a:xfrm>
+        </p:grpSpPr>
+        <p:pic>
+          <p:nvPicPr>
+            <p:cNvPr id="13" name="Picture 12"/>
+            <p:cNvPicPr>
+              <a:picLocks noChangeAspect="1"/>
+            </p:cNvPicPr>
+            <p:nvPr/>
+          </p:nvPicPr>
+          <p:blipFill>
+            <a:blip r:embed="rId1"/>
+            <a:stretch>
+              <a:fillRect/>
+            </a:stretch>
+          </p:blipFill>
+          <p:spPr>
+            <a:xfrm>
+              <a:off x="921" y="1730"/>
+              <a:ext cx="17222" cy="8198"/>
+            </a:xfrm>
+            <a:prstGeom prst="rect">
+              <a:avLst/>
+            </a:prstGeom>
+          </p:spPr>
+        </p:pic>
+        <p:sp>
+          <p:nvSpPr>
+            <p:cNvPr id="17" name="Rectangles 16"/>
+            <p:cNvSpPr/>
+            <p:nvPr/>
+          </p:nvSpPr>
+          <p:spPr>
+            <a:xfrm>
+              <a:off x="2149" y="2092"/>
+              <a:ext cx="14500" cy="7282"/>
+            </a:xfrm>
+            <a:prstGeom prst="rect">
+              <a:avLst/>
+            </a:prstGeom>
+            <a:solidFill>
+              <a:schemeClr val="bg1">
+                <a:alpha val="81000"/>
+              </a:schemeClr>
+            </a:solidFill>
+            <a:ln>
+              <a:noFill/>
+            </a:ln>
+          </p:spPr>
+          <p:style>
+            <a:lnRef idx="2">
+              <a:schemeClr val="accent1">
+                <a:shade val="50000"/>
+              </a:schemeClr>
+            </a:lnRef>
+            <a:fillRef idx="1">
+              <a:schemeClr val="accent1"/>
+            </a:fillRef>
+            <a:effectRef idx="0">
+              <a:schemeClr val="accent1"/>
+            </a:effectRef>
+            <a:fontRef idx="minor">
+              <a:schemeClr val="lt1"/>
+            </a:fontRef>
+          </p:style>
+          <p:txBody>
+            <a:bodyPr rtlCol="0" anchor="ctr"/>
+            <a:p>
+              <a:pPr algn="ctr"/>
+              <a:endParaRPr lang="en-US"/>
+            </a:p>
+          </p:txBody>
+        </p:sp>
+      </p:grpSp>
+      <p:sp>
+        <p:nvSpPr>
+          <p:cNvPr id="8" name="Title 7"/>
+          <p:cNvSpPr>
+            <a:spLocks noGrp="1"/>
+          </p:cNvSpPr>
+          <p:nvPr>
+            <p:ph type="title"/>
+          </p:nvPr>
+        </p:nvSpPr>
+        <p:spPr>
+          <a:xfrm>
+            <a:off x="725805" y="453390"/>
+            <a:ext cx="10515600" cy="599440"/>
+          </a:xfrm>
+        </p:spPr>
+        <p:txBody>
+          <a:bodyPr>
+            <a:normAutofit fontScale="90000"/>
+          </a:bodyPr>
+          <a:p>
+            <a:r>
+              <a:rPr lang="en-US" sz="4000">
+                <a:solidFill>
+                  <a:schemeClr val="tx1">
+                    <a:lumMod val="65000"/>
+                    <a:lumOff val="35000"/>
+                  </a:schemeClr>
+                </a:solidFill>
+                <a:latin typeface="+mn-lt"/>
+                <a:cs typeface="+mn-lt"/>
+              </a:rPr>
+              <a:t>Learnings from the project</a:t>
+            </a:r>
+            <a:endParaRPr lang="en-US" sz="4000">
+              <a:solidFill>
+                <a:schemeClr val="tx1">
+                  <a:lumMod val="65000"/>
+                  <a:lumOff val="35000"/>
+                </a:schemeClr>
+              </a:solidFill>
               <a:latin typeface="+mn-lt"/>
               <a:cs typeface="+mn-lt"/>
             </a:endParaRPr>
@@ -4700,8 +5780,8 @@
         </p:nvSpPr>
         <p:spPr>
           <a:xfrm>
-            <a:off x="725170" y="1172845"/>
-            <a:ext cx="7280910" cy="4939030"/>
+            <a:off x="725805" y="1098550"/>
+            <a:ext cx="10532110" cy="1476375"/>
           </a:xfrm>
           <a:prstGeom prst="rect">
             <a:avLst/>
@@ -4726,991 +5806,22 @@
             </a:pPr>
             <a:r>
               <a:rPr lang="en-US"/>
-              <a:t>The application designed in the project, automates the procedure of booking a meeting room in a company where emloyees can search and book a meeting room based on their requirements.</a:t>
-            </a:r>
-            <a:endParaRPr lang="en-US"/>
-          </a:p>
-          <a:p>
-            <a:pPr>
-              <a:lnSpc>
-                <a:spcPct val="125000"/>
-              </a:lnSpc>
-              <a:spcBef>
-                <a:spcPts val="0"/>
-              </a:spcBef>
-              <a:spcAft>
-                <a:spcPts val="0"/>
-              </a:spcAft>
-            </a:pPr>
-            <a:endParaRPr lang="en-US"/>
-          </a:p>
-          <a:p>
-            <a:pPr>
-              <a:lnSpc>
-                <a:spcPct val="125000"/>
-              </a:lnSpc>
-            </a:pPr>
-            <a:r>
-              <a:rPr lang="en-US"/>
-              <a:t>Depending on the role of the employee in the company, the employee can perform various functions (as shown beside) on the application.</a:t>
-            </a:r>
-            <a:endParaRPr lang="en-US"/>
-          </a:p>
-          <a:p>
-            <a:pPr indent="0">
-              <a:lnSpc>
-                <a:spcPct val="125000"/>
-              </a:lnSpc>
-              <a:buFont typeface="Wingdings" panose="05000000000000000000" charset="0"/>
-              <a:buNone/>
-            </a:pPr>
-            <a:endParaRPr lang="en-US"/>
-          </a:p>
-          <a:p>
-            <a:pPr indent="0">
-              <a:lnSpc>
-                <a:spcPct val="125000"/>
-              </a:lnSpc>
-              <a:buFont typeface="Wingdings" panose="05000000000000000000" charset="0"/>
-              <a:buNone/>
-            </a:pPr>
-            <a:r>
-              <a:rPr lang="en-US"/>
-              <a:t>Key points :-</a:t>
-            </a:r>
-            <a:endParaRPr lang="en-US"/>
-          </a:p>
-          <a:p>
-            <a:pPr marL="285750" indent="-285750">
-              <a:lnSpc>
-                <a:spcPct val="125000"/>
-              </a:lnSpc>
-              <a:buFont typeface="Wingdings" panose="05000000000000000000" charset="0"/>
-              <a:buChar char="§"/>
-            </a:pPr>
-            <a:r>
-              <a:rPr lang="en-US"/>
-              <a:t>The application uses MySql RDBMS server to store all the business data.</a:t>
-            </a:r>
-            <a:endParaRPr lang="en-US"/>
-          </a:p>
-          <a:p>
-            <a:pPr marL="285750" indent="-285750">
-              <a:lnSpc>
-                <a:spcPct val="125000"/>
-              </a:lnSpc>
-              <a:buFont typeface="Wingdings" panose="05000000000000000000" charset="0"/>
-              <a:buChar char="§"/>
-            </a:pPr>
-            <a:r>
-              <a:rPr lang="en-US"/>
-              <a:t>The application uses a layered architecture and thus it helps to build loosly coupled systems.</a:t>
-            </a:r>
-            <a:endParaRPr lang="en-US"/>
-          </a:p>
-          <a:p>
-            <a:pPr marL="285750" indent="-285750">
-              <a:lnSpc>
-                <a:spcPct val="125000"/>
-              </a:lnSpc>
-              <a:buFont typeface="Wingdings" panose="05000000000000000000" charset="0"/>
-              <a:buChar char="§"/>
-            </a:pPr>
-            <a:r>
-              <a:rPr lang="en-US"/>
-              <a:t>The web application is based on MVC design pattern and it isolates the application logic from the user interface layer and supports separation of concerns.</a:t>
-            </a:r>
-            <a:endParaRPr lang="en-US"/>
-          </a:p>
-        </p:txBody>
-      </p:sp>
-    </p:spTree>
-  </p:cSld>
-  <p:clrMapOvr>
-    <a:masterClrMapping/>
-  </p:clrMapOvr>
-</p:sld>
-</file>
-
-<file path=ppt/slides/slide4.xml><?xml version="1.0" encoding="utf-8"?>
-<p:sld xmlns:a="http://schemas.openxmlformats.org/drawingml/2006/main" xmlns:r="http://schemas.openxmlformats.org/officeDocument/2006/relationships" xmlns:p="http://schemas.openxmlformats.org/presentationml/2006/main">
-  <p:cSld>
-    <p:bg>
-      <p:bgPr>
-        <a:solidFill>
-          <a:schemeClr val="bg1">
-            <a:alpha val="0"/>
-          </a:schemeClr>
-        </a:solidFill>
-        <a:effectLst/>
-      </p:bgPr>
-    </p:bg>
-    <p:spTree>
-      <p:nvGrpSpPr>
-        <p:cNvPr id="1" name=""/>
-        <p:cNvGrpSpPr/>
-        <p:nvPr/>
-      </p:nvGrpSpPr>
-      <p:grpSpPr/>
-      <p:sp>
-        <p:nvSpPr>
-          <p:cNvPr id="8" name="Title 7"/>
-          <p:cNvSpPr>
-            <a:spLocks noGrp="1"/>
-          </p:cNvSpPr>
-          <p:nvPr>
-            <p:ph type="title"/>
-          </p:nvPr>
+              <a:t>The modern workplace thrives on collaboration, and with collaboration comes meeting. Video meetings and conference calls can be a hassle for the modern workplace if there is no proper managed meeting room that supports the plethora of smart technologies like - laptops, wifi connection, whiteboard, TV and high-definition video conference call with several attendees, that can be booked conveniently.</a:t>
+            </a:r>
+            <a:endParaRPr lang="en-US"/>
+          </a:p>
+        </p:txBody>
+      </p:sp>
+      <p:sp>
+        <p:nvSpPr>
+          <p:cNvPr id="3" name="Text Box 2"/>
+          <p:cNvSpPr txBox="1"/>
+          <p:nvPr/>
         </p:nvSpPr>
         <p:spPr>
           <a:xfrm>
-            <a:off x="725805" y="453390"/>
-            <a:ext cx="10515600" cy="599440"/>
-          </a:xfrm>
-        </p:spPr>
-        <p:txBody>
-          <a:bodyPr>
-            <a:normAutofit fontScale="90000"/>
-          </a:bodyPr>
-          <a:p>
-            <a:r>
-              <a:rPr lang="en-US" sz="4000">
-                <a:solidFill>
-                  <a:schemeClr val="tx1">
-                    <a:lumMod val="65000"/>
-                    <a:lumOff val="35000"/>
-                  </a:schemeClr>
-                </a:solidFill>
-                <a:latin typeface="+mn-lt"/>
-                <a:cs typeface="+mn-lt"/>
-              </a:rPr>
-              <a:t>UI Snapshots </a:t>
-            </a:r>
-            <a:endParaRPr lang="en-US" sz="4000">
-              <a:solidFill>
-                <a:schemeClr val="tx1">
-                  <a:lumMod val="65000"/>
-                  <a:lumOff val="35000"/>
-                </a:schemeClr>
-              </a:solidFill>
-              <a:latin typeface="+mn-lt"/>
-              <a:cs typeface="+mn-lt"/>
-            </a:endParaRPr>
-          </a:p>
-        </p:txBody>
-      </p:sp>
-      <p:sp>
-        <p:nvSpPr>
-          <p:cNvPr id="4" name="Slide Number Placeholder 3"/>
-          <p:cNvSpPr>
-            <a:spLocks noGrp="1"/>
-          </p:cNvSpPr>
-          <p:nvPr>
-            <p:ph type="sldNum" sz="quarter" idx="12"/>
-          </p:nvPr>
-        </p:nvSpPr>
-        <p:spPr/>
-        <p:txBody>
-          <a:bodyPr/>
-          <a:p>
-            <a:fld id="{9B618960-8005-486C-9A75-10CB2AAC16F9}" type="slidenum">
-              <a:rPr lang="en-US" smtClean="0"/>
-            </a:fld>
-            <a:endParaRPr lang="en-US"/>
-          </a:p>
-        </p:txBody>
-      </p:sp>
-      <p:grpSp>
-        <p:nvGrpSpPr>
-          <p:cNvPr id="11" name="Group 10"/>
-          <p:cNvGrpSpPr/>
-          <p:nvPr/>
-        </p:nvGrpSpPr>
-        <p:grpSpPr>
-          <a:xfrm>
-            <a:off x="141605" y="6362065"/>
-            <a:ext cx="3093085" cy="398780"/>
-            <a:chOff x="223" y="10019"/>
-            <a:chExt cx="4871" cy="628"/>
-          </a:xfrm>
-        </p:grpSpPr>
-        <p:pic>
-          <p:nvPicPr>
-            <p:cNvPr id="6" name="Picture 5" descr="hsbc"/>
-            <p:cNvPicPr>
-              <a:picLocks noChangeAspect="1"/>
-            </p:cNvPicPr>
-            <p:nvPr/>
-          </p:nvPicPr>
-          <p:blipFill>
-            <a:blip r:embed="rId1"/>
-            <a:srcRect l="62667" t="-675"/>
-            <a:stretch>
-              <a:fillRect/>
-            </a:stretch>
-          </p:blipFill>
-          <p:spPr>
-            <a:xfrm>
-              <a:off x="223" y="10097"/>
-              <a:ext cx="920" cy="473"/>
-            </a:xfrm>
-            <a:prstGeom prst="rect">
-              <a:avLst/>
-            </a:prstGeom>
-          </p:spPr>
-        </p:pic>
-        <p:sp>
-          <p:nvSpPr>
-            <p:cNvPr id="10" name="Text Box 9"/>
-            <p:cNvSpPr txBox="1"/>
-            <p:nvPr/>
-          </p:nvSpPr>
-          <p:spPr>
-            <a:xfrm>
-              <a:off x="1143" y="10019"/>
-              <a:ext cx="3951" cy="628"/>
-            </a:xfrm>
-            <a:prstGeom prst="rect">
-              <a:avLst/>
-            </a:prstGeom>
-            <a:noFill/>
-          </p:spPr>
-          <p:txBody>
-            <a:bodyPr wrap="square" rtlCol="0">
-              <a:spAutoFit/>
-            </a:bodyPr>
-            <a:p>
-              <a:r>
-                <a:rPr lang="en-US" sz="2000" b="1">
-                  <a:solidFill>
-                    <a:schemeClr val="tx1"/>
-                  </a:solidFill>
-                  <a:latin typeface="Carlito" panose="020F0502020204030204" charset="0"/>
-                  <a:cs typeface="Carlito" panose="020F0502020204030204" charset="0"/>
-                </a:rPr>
-                <a:t>HSBC</a:t>
-              </a:r>
-              <a:r>
-                <a:rPr lang="en-US" sz="2000">
-                  <a:solidFill>
-                    <a:schemeClr val="tx1"/>
-                  </a:solidFill>
-                  <a:latin typeface="Carlito" panose="020F0502020204030204" charset="0"/>
-                  <a:cs typeface="Carlito" panose="020F0502020204030204" charset="0"/>
-                </a:rPr>
-                <a:t> | Technology</a:t>
-              </a:r>
-              <a:endParaRPr lang="en-US" sz="2000">
-                <a:solidFill>
-                  <a:schemeClr val="tx1"/>
-                </a:solidFill>
-                <a:latin typeface="Carlito" panose="020F0502020204030204" charset="0"/>
-                <a:cs typeface="Carlito" panose="020F0502020204030204" charset="0"/>
-              </a:endParaRPr>
-            </a:p>
-          </p:txBody>
-        </p:sp>
-      </p:grpSp>
-      <p:cxnSp>
-        <p:nvCxnSpPr>
-          <p:cNvPr id="5" name="Straight Connector 4"/>
-          <p:cNvCxnSpPr/>
-          <p:nvPr/>
-        </p:nvCxnSpPr>
-        <p:spPr>
-          <a:xfrm flipV="1">
-            <a:off x="584835" y="1052830"/>
-            <a:ext cx="10872470" cy="45720"/>
-          </a:xfrm>
-          <a:prstGeom prst="line">
-            <a:avLst/>
-          </a:prstGeom>
-          <a:ln w="12700" cmpd="sng">
-            <a:solidFill>
-              <a:srgbClr val="3B7AA6"/>
-            </a:solidFill>
-            <a:prstDash val="solid"/>
-          </a:ln>
-        </p:spPr>
-        <p:style>
-          <a:lnRef idx="1">
-            <a:schemeClr val="accent1"/>
-          </a:lnRef>
-          <a:fillRef idx="0">
-            <a:schemeClr val="accent1"/>
-          </a:fillRef>
-          <a:effectRef idx="0">
-            <a:schemeClr val="accent1"/>
-          </a:effectRef>
-          <a:fontRef idx="minor">
-            <a:schemeClr val="tx1"/>
-          </a:fontRef>
-        </p:style>
-      </p:cxnSp>
-      <p:pic>
-        <p:nvPicPr>
-          <p:cNvPr id="3" name="Picture 2"/>
-          <p:cNvPicPr>
-            <a:picLocks noChangeAspect="1"/>
-          </p:cNvPicPr>
-          <p:nvPr/>
-        </p:nvPicPr>
-        <p:blipFill>
-          <a:blip r:embed="rId2"/>
-          <a:stretch>
-            <a:fillRect/>
-          </a:stretch>
-        </p:blipFill>
-        <p:spPr>
-          <a:xfrm>
-            <a:off x="584835" y="1185545"/>
-            <a:ext cx="5335905" cy="3093085"/>
-          </a:xfrm>
-          <a:prstGeom prst="rect">
-            <a:avLst/>
-          </a:prstGeom>
-        </p:spPr>
-      </p:pic>
-      <p:pic>
-        <p:nvPicPr>
-          <p:cNvPr id="7" name="Picture 6"/>
-          <p:cNvPicPr>
-            <a:picLocks noChangeAspect="1"/>
-          </p:cNvPicPr>
-          <p:nvPr/>
-        </p:nvPicPr>
-        <p:blipFill>
-          <a:blip r:embed="rId3"/>
-          <a:stretch>
-            <a:fillRect/>
-          </a:stretch>
-        </p:blipFill>
-        <p:spPr>
-          <a:xfrm>
-            <a:off x="6723380" y="1188720"/>
-            <a:ext cx="4699000" cy="4120515"/>
-          </a:xfrm>
-          <a:prstGeom prst="rect">
-            <a:avLst/>
-          </a:prstGeom>
-        </p:spPr>
-      </p:pic>
-      <p:pic>
-        <p:nvPicPr>
-          <p:cNvPr id="9" name="Picture 8"/>
-          <p:cNvPicPr>
-            <a:picLocks noChangeAspect="1"/>
-          </p:cNvPicPr>
-          <p:nvPr/>
-        </p:nvPicPr>
-        <p:blipFill>
-          <a:blip r:embed="rId4"/>
-          <a:srcRect l="12556" t="18953" r="15608" b="23037"/>
-          <a:stretch>
-            <a:fillRect/>
-          </a:stretch>
-        </p:blipFill>
-        <p:spPr>
-          <a:xfrm>
-            <a:off x="1710055" y="4424045"/>
-            <a:ext cx="3171825" cy="1884680"/>
-          </a:xfrm>
-          <a:prstGeom prst="rect">
-            <a:avLst/>
-          </a:prstGeom>
-        </p:spPr>
-      </p:pic>
-    </p:spTree>
-  </p:cSld>
-  <p:clrMapOvr>
-    <a:masterClrMapping/>
-  </p:clrMapOvr>
-</p:sld>
-</file>
-
-<file path=ppt/slides/slide5.xml><?xml version="1.0" encoding="utf-8"?>
-<p:sld xmlns:a="http://schemas.openxmlformats.org/drawingml/2006/main" xmlns:r="http://schemas.openxmlformats.org/officeDocument/2006/relationships" xmlns:p="http://schemas.openxmlformats.org/presentationml/2006/main">
-  <p:cSld>
-    <p:bg>
-      <p:bgPr>
-        <a:solidFill>
-          <a:schemeClr val="bg1">
-            <a:alpha val="0"/>
-          </a:schemeClr>
-        </a:solidFill>
-        <a:effectLst/>
-      </p:bgPr>
-    </p:bg>
-    <p:spTree>
-      <p:nvGrpSpPr>
-        <p:cNvPr id="1" name=""/>
-        <p:cNvGrpSpPr/>
-        <p:nvPr/>
-      </p:nvGrpSpPr>
-      <p:grpSpPr/>
-      <p:sp>
-        <p:nvSpPr>
-          <p:cNvPr id="8" name="Title 7"/>
-          <p:cNvSpPr>
-            <a:spLocks noGrp="1"/>
-          </p:cNvSpPr>
-          <p:nvPr>
-            <p:ph type="title"/>
-          </p:nvPr>
-        </p:nvSpPr>
-        <p:spPr>
-          <a:xfrm>
-            <a:off x="725805" y="453390"/>
-            <a:ext cx="10515600" cy="599440"/>
-          </a:xfrm>
-        </p:spPr>
-        <p:txBody>
-          <a:bodyPr>
-            <a:normAutofit fontScale="90000"/>
-          </a:bodyPr>
-          <a:p>
-            <a:r>
-              <a:rPr lang="en-US" sz="4000">
-                <a:solidFill>
-                  <a:schemeClr val="tx1">
-                    <a:lumMod val="65000"/>
-                    <a:lumOff val="35000"/>
-                  </a:schemeClr>
-                </a:solidFill>
-                <a:latin typeface="+mn-lt"/>
-                <a:cs typeface="+mn-lt"/>
-              </a:rPr>
-              <a:t>UI Snapshots continued...</a:t>
-            </a:r>
-            <a:endParaRPr lang="en-US" sz="4000">
-              <a:solidFill>
-                <a:schemeClr val="tx1">
-                  <a:lumMod val="65000"/>
-                  <a:lumOff val="35000"/>
-                </a:schemeClr>
-              </a:solidFill>
-              <a:latin typeface="+mn-lt"/>
-              <a:cs typeface="+mn-lt"/>
-            </a:endParaRPr>
-          </a:p>
-        </p:txBody>
-      </p:sp>
-      <p:sp>
-        <p:nvSpPr>
-          <p:cNvPr id="4" name="Slide Number Placeholder 3"/>
-          <p:cNvSpPr>
-            <a:spLocks noGrp="1"/>
-          </p:cNvSpPr>
-          <p:nvPr>
-            <p:ph type="sldNum" sz="quarter" idx="12"/>
-          </p:nvPr>
-        </p:nvSpPr>
-        <p:spPr/>
-        <p:txBody>
-          <a:bodyPr/>
-          <a:p>
-            <a:fld id="{9B618960-8005-486C-9A75-10CB2AAC16F9}" type="slidenum">
-              <a:rPr lang="en-US" smtClean="0"/>
-            </a:fld>
-            <a:endParaRPr lang="en-US"/>
-          </a:p>
-        </p:txBody>
-      </p:sp>
-      <p:grpSp>
-        <p:nvGrpSpPr>
-          <p:cNvPr id="11" name="Group 10"/>
-          <p:cNvGrpSpPr/>
-          <p:nvPr/>
-        </p:nvGrpSpPr>
-        <p:grpSpPr>
-          <a:xfrm>
-            <a:off x="141605" y="6362065"/>
-            <a:ext cx="3093085" cy="398780"/>
-            <a:chOff x="223" y="10019"/>
-            <a:chExt cx="4871" cy="628"/>
-          </a:xfrm>
-        </p:grpSpPr>
-        <p:pic>
-          <p:nvPicPr>
-            <p:cNvPr id="6" name="Picture 5" descr="hsbc"/>
-            <p:cNvPicPr>
-              <a:picLocks noChangeAspect="1"/>
-            </p:cNvPicPr>
-            <p:nvPr/>
-          </p:nvPicPr>
-          <p:blipFill>
-            <a:blip r:embed="rId1"/>
-            <a:srcRect l="62667" t="-675"/>
-            <a:stretch>
-              <a:fillRect/>
-            </a:stretch>
-          </p:blipFill>
-          <p:spPr>
-            <a:xfrm>
-              <a:off x="223" y="10097"/>
-              <a:ext cx="920" cy="473"/>
-            </a:xfrm>
-            <a:prstGeom prst="rect">
-              <a:avLst/>
-            </a:prstGeom>
-          </p:spPr>
-        </p:pic>
-        <p:sp>
-          <p:nvSpPr>
-            <p:cNvPr id="10" name="Text Box 9"/>
-            <p:cNvSpPr txBox="1"/>
-            <p:nvPr/>
-          </p:nvSpPr>
-          <p:spPr>
-            <a:xfrm>
-              <a:off x="1143" y="10019"/>
-              <a:ext cx="3951" cy="628"/>
-            </a:xfrm>
-            <a:prstGeom prst="rect">
-              <a:avLst/>
-            </a:prstGeom>
-            <a:noFill/>
-          </p:spPr>
-          <p:txBody>
-            <a:bodyPr wrap="square" rtlCol="0">
-              <a:spAutoFit/>
-            </a:bodyPr>
-            <a:p>
-              <a:r>
-                <a:rPr lang="en-US" sz="2000" b="1">
-                  <a:solidFill>
-                    <a:schemeClr val="tx1"/>
-                  </a:solidFill>
-                  <a:latin typeface="Carlito" panose="020F0502020204030204" charset="0"/>
-                  <a:cs typeface="Carlito" panose="020F0502020204030204" charset="0"/>
-                </a:rPr>
-                <a:t>HSBC</a:t>
-              </a:r>
-              <a:r>
-                <a:rPr lang="en-US" sz="2000">
-                  <a:solidFill>
-                    <a:schemeClr val="tx1"/>
-                  </a:solidFill>
-                  <a:latin typeface="Carlito" panose="020F0502020204030204" charset="0"/>
-                  <a:cs typeface="Carlito" panose="020F0502020204030204" charset="0"/>
-                </a:rPr>
-                <a:t> | Technology</a:t>
-              </a:r>
-              <a:endParaRPr lang="en-US" sz="2000">
-                <a:solidFill>
-                  <a:schemeClr val="tx1"/>
-                </a:solidFill>
-                <a:latin typeface="Carlito" panose="020F0502020204030204" charset="0"/>
-                <a:cs typeface="Carlito" panose="020F0502020204030204" charset="0"/>
-              </a:endParaRPr>
-            </a:p>
-          </p:txBody>
-        </p:sp>
-      </p:grpSp>
-      <p:cxnSp>
-        <p:nvCxnSpPr>
-          <p:cNvPr id="5" name="Straight Connector 4"/>
-          <p:cNvCxnSpPr/>
-          <p:nvPr/>
-        </p:nvCxnSpPr>
-        <p:spPr>
-          <a:xfrm flipV="1">
-            <a:off x="584835" y="1052830"/>
-            <a:ext cx="10872470" cy="45720"/>
-          </a:xfrm>
-          <a:prstGeom prst="line">
-            <a:avLst/>
-          </a:prstGeom>
-          <a:ln w="12700" cmpd="sng">
-            <a:solidFill>
-              <a:srgbClr val="3B7AA6"/>
-            </a:solidFill>
-            <a:prstDash val="solid"/>
-          </a:ln>
-        </p:spPr>
-        <p:style>
-          <a:lnRef idx="1">
-            <a:schemeClr val="accent1"/>
-          </a:lnRef>
-          <a:fillRef idx="0">
-            <a:schemeClr val="accent1"/>
-          </a:fillRef>
-          <a:effectRef idx="0">
-            <a:schemeClr val="accent1"/>
-          </a:effectRef>
-          <a:fontRef idx="minor">
-            <a:schemeClr val="tx1"/>
-          </a:fontRef>
-        </p:style>
-      </p:cxnSp>
-      <p:pic>
-        <p:nvPicPr>
-          <p:cNvPr id="9" name="Picture 8"/>
-          <p:cNvPicPr>
-            <a:picLocks noChangeAspect="1"/>
-          </p:cNvPicPr>
-          <p:nvPr/>
-        </p:nvPicPr>
-        <p:blipFill>
-          <a:blip r:embed="rId2"/>
-          <a:srcRect l="5412" b="17233"/>
-          <a:stretch>
-            <a:fillRect/>
-          </a:stretch>
-        </p:blipFill>
-        <p:spPr>
-          <a:xfrm>
-            <a:off x="368935" y="1241425"/>
-            <a:ext cx="6304280" cy="2571115"/>
-          </a:xfrm>
-          <a:prstGeom prst="rect">
-            <a:avLst/>
-          </a:prstGeom>
-        </p:spPr>
-      </p:pic>
-      <p:pic>
-        <p:nvPicPr>
-          <p:cNvPr id="12" name="Picture 11"/>
-          <p:cNvPicPr>
-            <a:picLocks noChangeAspect="1"/>
-          </p:cNvPicPr>
-          <p:nvPr/>
-        </p:nvPicPr>
-        <p:blipFill>
-          <a:blip r:embed="rId3"/>
-          <a:stretch>
-            <a:fillRect/>
-          </a:stretch>
-        </p:blipFill>
-        <p:spPr>
-          <a:xfrm>
-            <a:off x="6813550" y="1167130"/>
-            <a:ext cx="5080000" cy="3810000"/>
-          </a:xfrm>
-          <a:prstGeom prst="rect">
-            <a:avLst/>
-          </a:prstGeom>
-        </p:spPr>
-      </p:pic>
-    </p:spTree>
-  </p:cSld>
-  <p:clrMapOvr>
-    <a:masterClrMapping/>
-  </p:clrMapOvr>
-</p:sld>
-</file>
-
-<file path=ppt/slides/slide6.xml><?xml version="1.0" encoding="utf-8"?>
-<p:sld xmlns:a="http://schemas.openxmlformats.org/drawingml/2006/main" xmlns:r="http://schemas.openxmlformats.org/officeDocument/2006/relationships" xmlns:p="http://schemas.openxmlformats.org/presentationml/2006/main">
-  <p:cSld>
-    <p:bg>
-      <p:bgPr>
-        <a:solidFill>
-          <a:schemeClr val="bg1">
-            <a:alpha val="0"/>
-          </a:schemeClr>
-        </a:solidFill>
-        <a:effectLst/>
-      </p:bgPr>
-    </p:bg>
-    <p:spTree>
-      <p:nvGrpSpPr>
-        <p:cNvPr id="1" name=""/>
-        <p:cNvGrpSpPr/>
-        <p:nvPr/>
-      </p:nvGrpSpPr>
-      <p:grpSpPr/>
-      <p:grpSp>
-        <p:nvGrpSpPr>
-          <p:cNvPr id="18" name="Group 17"/>
-          <p:cNvGrpSpPr/>
-          <p:nvPr/>
-        </p:nvGrpSpPr>
-        <p:grpSpPr>
-          <a:xfrm>
-            <a:off x="584835" y="1098550"/>
-            <a:ext cx="10935970" cy="5205730"/>
-            <a:chOff x="921" y="1730"/>
-            <a:chExt cx="17222" cy="8198"/>
-          </a:xfrm>
-        </p:grpSpPr>
-        <p:pic>
-          <p:nvPicPr>
-            <p:cNvPr id="13" name="Picture 12"/>
-            <p:cNvPicPr>
-              <a:picLocks noChangeAspect="1"/>
-            </p:cNvPicPr>
-            <p:nvPr/>
-          </p:nvPicPr>
-          <p:blipFill>
-            <a:blip r:embed="rId1"/>
-            <a:stretch>
-              <a:fillRect/>
-            </a:stretch>
-          </p:blipFill>
-          <p:spPr>
-            <a:xfrm>
-              <a:off x="921" y="1730"/>
-              <a:ext cx="17222" cy="8198"/>
-            </a:xfrm>
-            <a:prstGeom prst="rect">
-              <a:avLst/>
-            </a:prstGeom>
-          </p:spPr>
-        </p:pic>
-        <p:sp>
-          <p:nvSpPr>
-            <p:cNvPr id="17" name="Rectangles 16"/>
-            <p:cNvSpPr/>
-            <p:nvPr/>
-          </p:nvSpPr>
-          <p:spPr>
-            <a:xfrm>
-              <a:off x="2149" y="2092"/>
-              <a:ext cx="14500" cy="7282"/>
-            </a:xfrm>
-            <a:prstGeom prst="rect">
-              <a:avLst/>
-            </a:prstGeom>
-            <a:solidFill>
-              <a:schemeClr val="bg1">
-                <a:alpha val="81000"/>
-              </a:schemeClr>
-            </a:solidFill>
-            <a:ln>
-              <a:noFill/>
-            </a:ln>
-          </p:spPr>
-          <p:style>
-            <a:lnRef idx="2">
-              <a:schemeClr val="accent1">
-                <a:shade val="50000"/>
-              </a:schemeClr>
-            </a:lnRef>
-            <a:fillRef idx="1">
-              <a:schemeClr val="accent1"/>
-            </a:fillRef>
-            <a:effectRef idx="0">
-              <a:schemeClr val="accent1"/>
-            </a:effectRef>
-            <a:fontRef idx="minor">
-              <a:schemeClr val="lt1"/>
-            </a:fontRef>
-          </p:style>
-          <p:txBody>
-            <a:bodyPr rtlCol="0" anchor="ctr"/>
-            <a:p>
-              <a:pPr algn="ctr"/>
-              <a:endParaRPr lang="en-US"/>
-            </a:p>
-          </p:txBody>
-        </p:sp>
-      </p:grpSp>
-      <p:sp>
-        <p:nvSpPr>
-          <p:cNvPr id="8" name="Title 7"/>
-          <p:cNvSpPr>
-            <a:spLocks noGrp="1"/>
-          </p:cNvSpPr>
-          <p:nvPr>
-            <p:ph type="title"/>
-          </p:nvPr>
-        </p:nvSpPr>
-        <p:spPr>
-          <a:xfrm>
-            <a:off x="725805" y="453390"/>
-            <a:ext cx="10515600" cy="599440"/>
-          </a:xfrm>
-        </p:spPr>
-        <p:txBody>
-          <a:bodyPr>
-            <a:normAutofit fontScale="90000"/>
-          </a:bodyPr>
-          <a:p>
-            <a:r>
-              <a:rPr lang="en-US" sz="4000">
-                <a:solidFill>
-                  <a:schemeClr val="tx1">
-                    <a:lumMod val="65000"/>
-                    <a:lumOff val="35000"/>
-                  </a:schemeClr>
-                </a:solidFill>
-                <a:latin typeface="+mn-lt"/>
-                <a:cs typeface="+mn-lt"/>
-              </a:rPr>
-              <a:t>Learnings from the project</a:t>
-            </a:r>
-            <a:endParaRPr lang="en-US" sz="4000">
-              <a:solidFill>
-                <a:schemeClr val="tx1">
-                  <a:lumMod val="65000"/>
-                  <a:lumOff val="35000"/>
-                </a:schemeClr>
-              </a:solidFill>
-              <a:latin typeface="+mn-lt"/>
-              <a:cs typeface="+mn-lt"/>
-            </a:endParaRPr>
-          </a:p>
-        </p:txBody>
-      </p:sp>
-      <p:sp>
-        <p:nvSpPr>
-          <p:cNvPr id="4" name="Slide Number Placeholder 3"/>
-          <p:cNvSpPr>
-            <a:spLocks noGrp="1"/>
-          </p:cNvSpPr>
-          <p:nvPr>
-            <p:ph type="sldNum" sz="quarter" idx="12"/>
-          </p:nvPr>
-        </p:nvSpPr>
-        <p:spPr/>
-        <p:txBody>
-          <a:bodyPr/>
-          <a:p>
-            <a:fld id="{9B618960-8005-486C-9A75-10CB2AAC16F9}" type="slidenum">
-              <a:rPr lang="en-US" smtClean="0"/>
-            </a:fld>
-            <a:endParaRPr lang="en-US"/>
-          </a:p>
-        </p:txBody>
-      </p:sp>
-      <p:grpSp>
-        <p:nvGrpSpPr>
-          <p:cNvPr id="11" name="Group 10"/>
-          <p:cNvGrpSpPr/>
-          <p:nvPr/>
-        </p:nvGrpSpPr>
-        <p:grpSpPr>
-          <a:xfrm>
-            <a:off x="141605" y="6362065"/>
-            <a:ext cx="3093085" cy="398780"/>
-            <a:chOff x="223" y="10019"/>
-            <a:chExt cx="4871" cy="628"/>
-          </a:xfrm>
-        </p:grpSpPr>
-        <p:pic>
-          <p:nvPicPr>
-            <p:cNvPr id="6" name="Picture 5" descr="hsbc"/>
-            <p:cNvPicPr>
-              <a:picLocks noChangeAspect="1"/>
-            </p:cNvPicPr>
-            <p:nvPr/>
-          </p:nvPicPr>
-          <p:blipFill>
-            <a:blip r:embed="rId2"/>
-            <a:srcRect l="62667" t="-675"/>
-            <a:stretch>
-              <a:fillRect/>
-            </a:stretch>
-          </p:blipFill>
-          <p:spPr>
-            <a:xfrm>
-              <a:off x="223" y="10097"/>
-              <a:ext cx="920" cy="473"/>
-            </a:xfrm>
-            <a:prstGeom prst="rect">
-              <a:avLst/>
-            </a:prstGeom>
-          </p:spPr>
-        </p:pic>
-        <p:sp>
-          <p:nvSpPr>
-            <p:cNvPr id="10" name="Text Box 9"/>
-            <p:cNvSpPr txBox="1"/>
-            <p:nvPr/>
-          </p:nvSpPr>
-          <p:spPr>
-            <a:xfrm>
-              <a:off x="1143" y="10019"/>
-              <a:ext cx="3951" cy="628"/>
-            </a:xfrm>
-            <a:prstGeom prst="rect">
-              <a:avLst/>
-            </a:prstGeom>
-            <a:noFill/>
-          </p:spPr>
-          <p:txBody>
-            <a:bodyPr wrap="square" rtlCol="0">
-              <a:spAutoFit/>
-            </a:bodyPr>
-            <a:p>
-              <a:r>
-                <a:rPr lang="en-US" sz="2000" b="1">
-                  <a:solidFill>
-                    <a:schemeClr val="tx1"/>
-                  </a:solidFill>
-                  <a:latin typeface="Carlito" panose="020F0502020204030204" charset="0"/>
-                  <a:cs typeface="Carlito" panose="020F0502020204030204" charset="0"/>
-                </a:rPr>
-                <a:t>HSBC</a:t>
-              </a:r>
-              <a:r>
-                <a:rPr lang="en-US" sz="2000">
-                  <a:solidFill>
-                    <a:schemeClr val="tx1"/>
-                  </a:solidFill>
-                  <a:latin typeface="Carlito" panose="020F0502020204030204" charset="0"/>
-                  <a:cs typeface="Carlito" panose="020F0502020204030204" charset="0"/>
-                </a:rPr>
-                <a:t> | Technology</a:t>
-              </a:r>
-              <a:endParaRPr lang="en-US" sz="2000">
-                <a:solidFill>
-                  <a:schemeClr val="tx1"/>
-                </a:solidFill>
-                <a:latin typeface="Carlito" panose="020F0502020204030204" charset="0"/>
-                <a:cs typeface="Carlito" panose="020F0502020204030204" charset="0"/>
-              </a:endParaRPr>
-            </a:p>
-          </p:txBody>
-        </p:sp>
-      </p:grpSp>
-      <p:cxnSp>
-        <p:nvCxnSpPr>
-          <p:cNvPr id="5" name="Straight Connector 4"/>
-          <p:cNvCxnSpPr/>
-          <p:nvPr/>
-        </p:nvCxnSpPr>
-        <p:spPr>
-          <a:xfrm flipV="1">
-            <a:off x="584835" y="1052830"/>
-            <a:ext cx="10872470" cy="45720"/>
-          </a:xfrm>
-          <a:prstGeom prst="line">
-            <a:avLst/>
-          </a:prstGeom>
-          <a:ln w="12700" cmpd="sng">
-            <a:solidFill>
-              <a:srgbClr val="3B7AA6"/>
-            </a:solidFill>
-            <a:prstDash val="solid"/>
-          </a:ln>
-        </p:spPr>
-        <p:style>
-          <a:lnRef idx="1">
-            <a:schemeClr val="accent1"/>
-          </a:lnRef>
-          <a:fillRef idx="0">
-            <a:schemeClr val="accent1"/>
-          </a:fillRef>
-          <a:effectRef idx="0">
-            <a:schemeClr val="accent1"/>
-          </a:effectRef>
-          <a:fontRef idx="minor">
-            <a:schemeClr val="tx1"/>
-          </a:fontRef>
-        </p:style>
-      </p:cxnSp>
-      <p:sp>
-        <p:nvSpPr>
-          <p:cNvPr id="12" name="Text Box 11"/>
-          <p:cNvSpPr txBox="1"/>
-          <p:nvPr/>
-        </p:nvSpPr>
-        <p:spPr>
-          <a:xfrm>
-            <a:off x="725805" y="1184275"/>
-            <a:ext cx="10532110" cy="1476375"/>
+            <a:off x="725805" y="2611755"/>
+            <a:ext cx="10232390" cy="3692525"/>
           </a:xfrm>
           <a:prstGeom prst="rect">
             <a:avLst/>
@@ -5722,46 +5833,6 @@
             <a:spAutoFit/>
           </a:bodyPr>
           <a:p>
-            <a:pPr>
-              <a:lnSpc>
-                <a:spcPct val="125000"/>
-              </a:lnSpc>
-              <a:spcBef>
-                <a:spcPts val="0"/>
-              </a:spcBef>
-              <a:spcAft>
-                <a:spcPts val="0"/>
-              </a:spcAft>
-            </a:pPr>
-            <a:r>
-              <a:rPr lang="en-US"/>
-              <a:t>The modern workplace thrives on collaboration, and with collaboration comes meeting. Video meetings and conference calls can be a hassle for the modern workplace if there is no proper managed meeting room that supports the plethora of smart technologies the modern worker uses - laptops, wifi connection, whiteboard, TV and high-definition video conference call with several attendees, that can bee booked conveniently.</a:t>
-            </a:r>
-            <a:endParaRPr lang="en-US"/>
-          </a:p>
-        </p:txBody>
-      </p:sp>
-      <p:sp>
-        <p:nvSpPr>
-          <p:cNvPr id="3" name="Text Box 2"/>
-          <p:cNvSpPr txBox="1"/>
-          <p:nvPr/>
-        </p:nvSpPr>
-        <p:spPr>
-          <a:xfrm>
-            <a:off x="725805" y="2814320"/>
-            <a:ext cx="10232390" cy="3138170"/>
-          </a:xfrm>
-          <a:prstGeom prst="rect">
-            <a:avLst/>
-          </a:prstGeom>
-          <a:noFill/>
-        </p:spPr>
-        <p:txBody>
-          <a:bodyPr wrap="square" rtlCol="0">
-            <a:spAutoFit/>
-          </a:bodyPr>
-          <a:p>
             <a:r>
               <a:rPr lang="en-US"/>
               <a:t>While developing and designing the solution for the above problem, through our application, our team learnt a lot in the process.</a:t>
@@ -5820,7 +5891,7 @@
             </a:pPr>
             <a:r>
               <a:rPr lang="en-US"/>
-              <a:t>proper use of layered architecture to develop the solution.</a:t>
+              <a:t>proper use of layered architecture to develop the solution that is loosly coupled.</a:t>
             </a:r>
             <a:endParaRPr lang="en-US"/>
           </a:p>
@@ -5830,8 +5901,31 @@
               <a:buChar char="•"/>
             </a:pPr>
             <a:r>
+              <a:rPr lang="en-US">
+                <a:sym typeface="+mn-ea"/>
+              </a:rPr>
+              <a:t>use of MVC design pattern to isolate the application logic from the user interface layer and supports separation of concerns.</a:t>
+            </a:r>
+            <a:endParaRPr lang="en-US"/>
+          </a:p>
+          <a:p>
+            <a:pPr marL="742950" lvl="1" indent="-285750">
+              <a:buFont typeface="Arial" panose="020B0604020202020204" pitchFamily="34" charset="0"/>
+              <a:buChar char="•"/>
+            </a:pPr>
+            <a:r>
               <a:rPr lang="en-US"/>
-              <a:t>use of database to store the business data.</a:t>
+              <a:t>use of database (</a:t>
+            </a:r>
+            <a:r>
+              <a:rPr lang="en-US">
+                <a:sym typeface="+mn-ea"/>
+              </a:rPr>
+              <a:t>MySql RDBMS server</a:t>
+            </a:r>
+            <a:r>
+              <a:rPr lang="en-US"/>
+              <a:t>) to store the business data.</a:t>
             </a:r>
             <a:endParaRPr lang="en-US"/>
           </a:p>
